--- a/presentation.pptx
+++ b/presentation.pptx
@@ -2872,7 +2872,7 @@
             <a:fld id="{0A98AF03-7270-45C2-A683-C5E353EF01A5}" type="datetime4">
               <a:rPr lang="en-US" smtClean="0"/>
               <a:pPr/>
-              <a:t>May 15, 2012</a:t>
+              <a:t>May 16, 2012</a:t>
             </a:fld>
             <a:endParaRPr lang="en-US" dirty="0"/>
           </a:p>
@@ -3159,7 +3159,7 @@
             <a:fld id="{A2FB5AFD-D735-4504-A039-ADEBB6448D55}" type="datetime4">
               <a:rPr lang="en-US" smtClean="0"/>
               <a:pPr/>
-              <a:t>May 15, 2012</a:t>
+              <a:t>May 16, 2012</a:t>
             </a:fld>
             <a:endParaRPr lang="en-US"/>
           </a:p>
@@ -3336,7 +3336,7 @@
             <a:fld id="{AB5C8118-FB93-4E87-B380-0175F2FE2167}" type="datetime4">
               <a:rPr lang="en-US" smtClean="0"/>
               <a:pPr/>
-              <a:t>May 15, 2012</a:t>
+              <a:t>May 16, 2012</a:t>
             </a:fld>
             <a:endParaRPr lang="en-US"/>
           </a:p>
@@ -3503,7 +3503,7 @@
             <a:fld id="{05A93482-8E69-40F7-BCAD-5662A6CADB27}" type="datetime4">
               <a:rPr lang="en-US" smtClean="0"/>
               <a:pPr/>
-              <a:t>May 15, 2012</a:t>
+              <a:t>May 16, 2012</a:t>
             </a:fld>
             <a:endParaRPr lang="en-US"/>
           </a:p>
@@ -3746,7 +3746,7 @@
             <a:fld id="{FBB7EAE1-CAAC-4AEF-919E-158692B1E55E}" type="datetime4">
               <a:rPr lang="en-US" smtClean="0"/>
               <a:pPr/>
-              <a:t>May 15, 2012</a:t>
+              <a:t>May 16, 2012</a:t>
             </a:fld>
             <a:endParaRPr lang="en-US"/>
           </a:p>
@@ -3861,7 +3861,7 @@
             <a:fld id="{9525A706-D8F2-4D1A-855A-CADC92600C26}" type="datetime4">
               <a:rPr lang="en-US" smtClean="0"/>
               <a:pPr/>
-              <a:t>May 15, 2012</a:t>
+              <a:t>May 16, 2012</a:t>
             </a:fld>
             <a:endParaRPr lang="en-US"/>
           </a:p>
@@ -4402,7 +4402,7 @@
             <a:fld id="{99B4F123-1704-49AC-9D15-C4B1462B8014}" type="datetime4">
               <a:rPr lang="en-US" smtClean="0"/>
               <a:pPr/>
-              <a:t>May 15, 2012</a:t>
+              <a:t>May 16, 2012</a:t>
             </a:fld>
             <a:endParaRPr lang="en-US"/>
           </a:p>
@@ -4517,7 +4517,7 @@
             <a:fld id="{E3127EC2-47FB-48A1-8644-C8A81DDAA119}" type="datetime4">
               <a:rPr lang="en-US" smtClean="0"/>
               <a:pPr/>
-              <a:t>May 15, 2012</a:t>
+              <a:t>May 16, 2012</a:t>
             </a:fld>
             <a:endParaRPr lang="en-US"/>
           </a:p>
@@ -4609,7 +4609,7 @@
             <a:fld id="{AE3EC3ED-7435-49F9-84C8-03CCA2F8DEDB}" type="datetime4">
               <a:rPr lang="en-US" smtClean="0"/>
               <a:pPr/>
-              <a:t>May 15, 2012</a:t>
+              <a:t>May 16, 2012</a:t>
             </a:fld>
             <a:endParaRPr lang="en-US"/>
           </a:p>
@@ -7262,7 +7262,7 @@
             <a:fld id="{3FC49BF1-FCD3-4395-8FF6-0047AF66228E}" type="datetime4">
               <a:rPr lang="en-US" smtClean="0"/>
               <a:pPr/>
-              <a:t>May 15, 2012</a:t>
+              <a:t>May 16, 2012</a:t>
             </a:fld>
             <a:endParaRPr lang="en-US"/>
           </a:p>
@@ -10476,7 +10476,7 @@
             <a:fld id="{CA861222-2C8B-4501-BE87-6797EC025925}" type="datetime4">
               <a:rPr lang="en-US" smtClean="0"/>
               <a:pPr/>
-              <a:t>May 15, 2012</a:t>
+              <a:t>May 16, 2012</a:t>
             </a:fld>
             <a:endParaRPr lang="en-US"/>
           </a:p>
@@ -13300,7 +13300,7 @@
             <a:fld id="{16C01193-8287-4834-A286-6B880643E934}" type="datetime4">
               <a:rPr lang="en-US" smtClean="0"/>
               <a:pPr/>
-              <a:t>May 15, 2012</a:t>
+              <a:t>May 16, 2012</a:t>
             </a:fld>
             <a:endParaRPr lang="en-US"/>
           </a:p>
@@ -13986,7 +13986,7 @@
   <p:timing>
     <p:tnLst>
       <p:par>
-        <p:cTn xmlns:p14="http://schemas.microsoft.com/office/powerpoint/2010/main" id="1" dur="indefinite" restart="never" nodeType="tmRoot"/>
+        <p:cTn id="1" dur="indefinite" restart="never" nodeType="tmRoot"/>
       </p:par>
     </p:tnLst>
   </p:timing>
@@ -14073,7 +14073,7 @@
   <p:timing>
     <p:tnLst>
       <p:par>
-        <p:cTn xmlns:p14="http://schemas.microsoft.com/office/powerpoint/2010/main" id="1" dur="indefinite" restart="never" nodeType="tmRoot"/>
+        <p:cTn id="1" dur="indefinite" restart="never" nodeType="tmRoot"/>
       </p:par>
     </p:tnLst>
   </p:timing>
@@ -14257,7 +14257,7 @@
   <p:timing>
     <p:tnLst>
       <p:par>
-        <p:cTn xmlns:p14="http://schemas.microsoft.com/office/powerpoint/2010/main" id="1" dur="indefinite" restart="never" nodeType="tmRoot"/>
+        <p:cTn id="1" dur="indefinite" restart="never" nodeType="tmRoot"/>
       </p:par>
     </p:tnLst>
   </p:timing>
@@ -14412,7 +14412,7 @@
   <p:timing>
     <p:tnLst>
       <p:par>
-        <p:cTn xmlns:p14="http://schemas.microsoft.com/office/powerpoint/2010/main" id="1" dur="indefinite" restart="never" nodeType="tmRoot"/>
+        <p:cTn id="1" dur="indefinite" restart="never" nodeType="tmRoot"/>
       </p:par>
     </p:tnLst>
   </p:timing>
@@ -14606,7 +14606,7 @@
   <p:timing>
     <p:tnLst>
       <p:par>
-        <p:cTn xmlns:p14="http://schemas.microsoft.com/office/powerpoint/2010/main" id="1" dur="indefinite" restart="never" nodeType="tmRoot"/>
+        <p:cTn id="1" dur="indefinite" restart="never" nodeType="tmRoot"/>
       </p:par>
     </p:tnLst>
   </p:timing>
@@ -14662,254 +14662,122 @@
           </a:p>
         </p:txBody>
       </p:sp>
-      <p:sp>
-        <p:nvSpPr>
-          <p:cNvPr id="3" name="Content Placeholder 2"/>
-          <p:cNvSpPr>
-            <a:spLocks noGrp="1"/>
-          </p:cNvSpPr>
+      <p:pic>
+        <p:nvPicPr>
+          <p:cNvPr id="6" name="Content Placeholder 5"/>
+          <p:cNvPicPr>
+            <a:picLocks noGrp="1" noChangeAspect="1"/>
+          </p:cNvPicPr>
           <p:nvPr>
             <p:ph idx="1"/>
           </p:nvPr>
-        </p:nvSpPr>
+        </p:nvPicPr>
+        <p:blipFill rotWithShape="1">
+          <a:blip r:embed="rId2" cstate="email">
+            <a:extLst>
+              <a:ext uri="{28A0092B-C50C-407E-A947-70E740481C1C}">
+                <a14:useLocalDpi xmlns:a14="http://schemas.microsoft.com/office/drawing/2010/main" val="0"/>
+              </a:ext>
+            </a:extLst>
+          </a:blip>
+          <a:srcRect t="6181" b="11753"/>
+          <a:stretch/>
+        </p:blipFill>
         <p:spPr>
           <a:xfrm>
-            <a:off x="1043492" y="1796826"/>
-            <a:ext cx="7024742" cy="4269152"/>
+            <a:off x="1043490" y="1617662"/>
+            <a:ext cx="3095086" cy="2286000"/>
           </a:xfrm>
         </p:spPr>
-        <p:txBody>
-          <a:bodyPr>
-            <a:normAutofit/>
-          </a:bodyPr>
-          <a:lstStyle/>
-          <a:p>
-            <a:pPr marL="68580" indent="0">
-              <a:buNone/>
-            </a:pPr>
-            <a:endParaRPr lang="en-US" dirty="0" smtClean="0"/>
-          </a:p>
-          <a:p>
-            <a:r>
-              <a:rPr lang="en-US" dirty="0" smtClean="0"/>
-              <a:t>Insert graphs here</a:t>
-            </a:r>
-          </a:p>
-          <a:p>
-            <a:r>
-              <a:rPr lang="en-US" dirty="0" smtClean="0"/>
-              <a:t>List average times</a:t>
-            </a:r>
-            <a:endParaRPr lang="en-US" dirty="0"/>
-          </a:p>
-        </p:txBody>
-      </p:sp>
-      <p:sp>
-        <p:nvSpPr>
-          <p:cNvPr id="4" name="Content Placeholder 2"/>
-          <p:cNvSpPr txBox="1">
-            <a:spLocks/>
-          </p:cNvSpPr>
+      </p:pic>
+      <p:pic>
+        <p:nvPicPr>
+          <p:cNvPr id="7" name="Picture 6"/>
+          <p:cNvPicPr>
+            <a:picLocks noChangeAspect="1"/>
+          </p:cNvPicPr>
           <p:nvPr/>
-        </p:nvSpPr>
+        </p:nvPicPr>
+        <p:blipFill>
+          <a:blip r:embed="rId3" cstate="email">
+            <a:extLst>
+              <a:ext uri="{28A0092B-C50C-407E-A947-70E740481C1C}">
+                <a14:useLocalDpi xmlns:a14="http://schemas.microsoft.com/office/drawing/2010/main" val="0"/>
+              </a:ext>
+            </a:extLst>
+          </a:blip>
+          <a:stretch>
+            <a:fillRect/>
+          </a:stretch>
+        </p:blipFill>
         <p:spPr>
           <a:xfrm>
-            <a:off x="1195892" y="1949226"/>
-            <a:ext cx="7024742" cy="4269152"/>
+            <a:off x="4625622" y="1434064"/>
+            <a:ext cx="3115028" cy="2803525"/>
           </a:xfrm>
           <a:prstGeom prst="rect">
             <a:avLst/>
           </a:prstGeom>
         </p:spPr>
-        <p:txBody>
-          <a:bodyPr vert="horz" lIns="91440" tIns="45720" rIns="91440" bIns="45720" rtlCol="0">
-            <a:normAutofit/>
-          </a:bodyPr>
-          <a:lstStyle>
-            <a:lvl1pPr marL="342900" indent="-274320" algn="l" defTabSz="914400" rtl="0" eaLnBrk="1" latinLnBrk="0" hangingPunct="1">
-              <a:spcBef>
-                <a:spcPct val="20000"/>
-              </a:spcBef>
-              <a:buClr>
-                <a:schemeClr val="accent1"/>
-              </a:buClr>
-              <a:buSzPct val="76000"/>
-              <a:buFont typeface="Wingdings 2" pitchFamily="18" charset="2"/>
-              <a:buChar char=""/>
-              <a:defRPr sz="2400" kern="1200">
-                <a:solidFill>
-                  <a:schemeClr val="tx2"/>
-                </a:solidFill>
-                <a:latin typeface="+mn-lt"/>
-                <a:ea typeface="+mn-ea"/>
-                <a:cs typeface="+mn-cs"/>
-              </a:defRPr>
-            </a:lvl1pPr>
-            <a:lvl2pPr marL="640080" indent="-274320" algn="l" defTabSz="914400" rtl="0" eaLnBrk="1" latinLnBrk="0" hangingPunct="1">
-              <a:spcBef>
-                <a:spcPct val="20000"/>
-              </a:spcBef>
-              <a:buClr>
-                <a:schemeClr val="accent1"/>
-              </a:buClr>
-              <a:buSzPct val="76000"/>
-              <a:buFont typeface="Wingdings 2" pitchFamily="18" charset="2"/>
-              <a:buChar char=""/>
-              <a:defRPr sz="2200" kern="1200">
-                <a:solidFill>
-                  <a:schemeClr val="tx2"/>
-                </a:solidFill>
-                <a:latin typeface="+mn-lt"/>
-                <a:ea typeface="+mn-ea"/>
-                <a:cs typeface="+mn-cs"/>
-              </a:defRPr>
-            </a:lvl2pPr>
-            <a:lvl3pPr marL="914400" indent="-228600" algn="l" defTabSz="914400" rtl="0" eaLnBrk="1" latinLnBrk="0" hangingPunct="1">
-              <a:spcBef>
-                <a:spcPct val="20000"/>
-              </a:spcBef>
-              <a:buClr>
-                <a:schemeClr val="accent1"/>
-              </a:buClr>
-              <a:buSzPct val="76000"/>
-              <a:buFont typeface="Wingdings 2" pitchFamily="18" charset="2"/>
-              <a:buChar char=""/>
-              <a:defRPr sz="2000" kern="1200">
-                <a:solidFill>
-                  <a:schemeClr val="tx2"/>
-                </a:solidFill>
-                <a:latin typeface="+mn-lt"/>
-                <a:ea typeface="+mn-ea"/>
-                <a:cs typeface="+mn-cs"/>
-              </a:defRPr>
-            </a:lvl3pPr>
-            <a:lvl4pPr marL="1124712" indent="-228600" algn="l" defTabSz="914400" rtl="0" eaLnBrk="1" latinLnBrk="0" hangingPunct="1">
-              <a:spcBef>
-                <a:spcPct val="20000"/>
-              </a:spcBef>
-              <a:buClr>
-                <a:schemeClr val="accent1"/>
-              </a:buClr>
-              <a:buSzPct val="76000"/>
-              <a:buFont typeface="Wingdings 2" pitchFamily="18" charset="2"/>
-              <a:buChar char=""/>
-              <a:defRPr sz="1800" kern="1200">
-                <a:solidFill>
-                  <a:schemeClr val="tx2"/>
-                </a:solidFill>
-                <a:latin typeface="+mn-lt"/>
-                <a:ea typeface="+mn-ea"/>
-                <a:cs typeface="+mn-cs"/>
-              </a:defRPr>
-            </a:lvl4pPr>
-            <a:lvl5pPr marL="1325880" indent="-228600" algn="l" defTabSz="914400" rtl="0" eaLnBrk="1" latinLnBrk="0" hangingPunct="1">
-              <a:spcBef>
-                <a:spcPct val="20000"/>
-              </a:spcBef>
-              <a:buClr>
-                <a:schemeClr val="accent1"/>
-              </a:buClr>
-              <a:buSzPct val="76000"/>
-              <a:buFont typeface="Wingdings 2" pitchFamily="18" charset="2"/>
-              <a:buChar char=""/>
-              <a:defRPr sz="1600" kern="1200" baseline="0">
-                <a:solidFill>
-                  <a:schemeClr val="tx2"/>
-                </a:solidFill>
-                <a:latin typeface="+mn-lt"/>
-                <a:ea typeface="+mn-ea"/>
-                <a:cs typeface="+mn-cs"/>
-              </a:defRPr>
-            </a:lvl5pPr>
-            <a:lvl6pPr marL="1517904" indent="-228600" algn="l" defTabSz="914400" rtl="0" eaLnBrk="1" latinLnBrk="0" hangingPunct="1">
-              <a:spcBef>
-                <a:spcPct val="20000"/>
-              </a:spcBef>
-              <a:buClr>
-                <a:schemeClr val="accent1"/>
-              </a:buClr>
-              <a:buSzPct val="76000"/>
-              <a:buFont typeface="Wingdings 2" pitchFamily="18" charset="2"/>
-              <a:buChar char=""/>
-              <a:defRPr sz="1400" kern="1200">
-                <a:solidFill>
-                  <a:schemeClr val="tx2"/>
-                </a:solidFill>
-                <a:latin typeface="+mn-lt"/>
-                <a:ea typeface="+mn-ea"/>
-                <a:cs typeface="+mn-cs"/>
-              </a:defRPr>
-            </a:lvl6pPr>
-            <a:lvl7pPr marL="1719072" indent="-228600" algn="l" defTabSz="914400" rtl="0" eaLnBrk="1" latinLnBrk="0" hangingPunct="1">
-              <a:spcBef>
-                <a:spcPct val="20000"/>
-              </a:spcBef>
-              <a:buClr>
-                <a:schemeClr val="accent1"/>
-              </a:buClr>
-              <a:buSzPct val="76000"/>
-              <a:buFont typeface="Wingdings 2" pitchFamily="18" charset="2"/>
-              <a:buChar char=""/>
-              <a:defRPr sz="1400" kern="1200">
-                <a:solidFill>
-                  <a:schemeClr val="tx2"/>
-                </a:solidFill>
-                <a:latin typeface="+mn-lt"/>
-                <a:ea typeface="+mn-ea"/>
-                <a:cs typeface="+mn-cs"/>
-              </a:defRPr>
-            </a:lvl7pPr>
-            <a:lvl8pPr marL="1920240" indent="-228600" algn="l" defTabSz="914400" rtl="0" eaLnBrk="1" latinLnBrk="0" hangingPunct="1">
-              <a:spcBef>
-                <a:spcPct val="20000"/>
-              </a:spcBef>
-              <a:buClr>
-                <a:schemeClr val="accent1"/>
-              </a:buClr>
-              <a:buSzPct val="76000"/>
-              <a:buFont typeface="Wingdings 2" pitchFamily="18" charset="2"/>
-              <a:buChar char=""/>
-              <a:defRPr sz="1400" kern="1200">
-                <a:solidFill>
-                  <a:schemeClr val="tx2"/>
-                </a:solidFill>
-                <a:latin typeface="+mn-lt"/>
-                <a:ea typeface="+mn-ea"/>
-                <a:cs typeface="+mn-cs"/>
-              </a:defRPr>
-            </a:lvl8pPr>
-            <a:lvl9pPr marL="2121408" indent="-228600" algn="l" defTabSz="914400" rtl="0" eaLnBrk="1" latinLnBrk="0" hangingPunct="1">
-              <a:spcBef>
-                <a:spcPct val="20000"/>
-              </a:spcBef>
-              <a:buClr>
-                <a:schemeClr val="accent1"/>
-              </a:buClr>
-              <a:buSzPct val="76000"/>
-              <a:buFont typeface="Wingdings 2" pitchFamily="18" charset="2"/>
-              <a:buChar char=""/>
-              <a:defRPr sz="1400" kern="1200">
-                <a:solidFill>
-                  <a:schemeClr val="tx2"/>
-                </a:solidFill>
-                <a:latin typeface="+mn-lt"/>
-                <a:ea typeface="+mn-ea"/>
-                <a:cs typeface="+mn-cs"/>
-              </a:defRPr>
-            </a:lvl9pPr>
-          </a:lstStyle>
-          <a:p>
-            <a:pPr marL="68580" indent="0">
-              <a:buFont typeface="Wingdings 2" pitchFamily="18" charset="2"/>
-              <a:buNone/>
-            </a:pPr>
-            <a:endParaRPr lang="en-US" dirty="0" smtClean="0"/>
-          </a:p>
-          <a:p>
-            <a:endParaRPr lang="en-US" dirty="0"/>
-          </a:p>
-        </p:txBody>
-      </p:sp>
+      </p:pic>
+      <p:pic>
+        <p:nvPicPr>
+          <p:cNvPr id="8" name="Picture 7"/>
+          <p:cNvPicPr>
+            <a:picLocks noChangeAspect="1"/>
+          </p:cNvPicPr>
+          <p:nvPr/>
+        </p:nvPicPr>
+        <p:blipFill rotWithShape="1">
+          <a:blip r:embed="rId4" cstate="email">
+            <a:extLst>
+              <a:ext uri="{28A0092B-C50C-407E-A947-70E740481C1C}">
+                <a14:useLocalDpi xmlns:a14="http://schemas.microsoft.com/office/drawing/2010/main" val="0"/>
+              </a:ext>
+            </a:extLst>
+          </a:blip>
+          <a:srcRect t="4813" b="9646"/>
+          <a:stretch/>
+        </p:blipFill>
+        <p:spPr>
+          <a:xfrm>
+            <a:off x="1043490" y="3903662"/>
+            <a:ext cx="3095087" cy="2382837"/>
+          </a:xfrm>
+          <a:prstGeom prst="rect">
+            <a:avLst/>
+          </a:prstGeom>
+        </p:spPr>
+      </p:pic>
+      <p:pic>
+        <p:nvPicPr>
+          <p:cNvPr id="9" name="Picture 8"/>
+          <p:cNvPicPr>
+            <a:picLocks noChangeAspect="1"/>
+          </p:cNvPicPr>
+          <p:nvPr/>
+        </p:nvPicPr>
+        <p:blipFill rotWithShape="1">
+          <a:blip r:embed="rId5" cstate="email">
+            <a:extLst>
+              <a:ext uri="{28A0092B-C50C-407E-A947-70E740481C1C}">
+                <a14:useLocalDpi xmlns:a14="http://schemas.microsoft.com/office/drawing/2010/main" val="0"/>
+              </a:ext>
+            </a:extLst>
+          </a:blip>
+          <a:srcRect t="5056" b="11770"/>
+          <a:stretch/>
+        </p:blipFill>
+        <p:spPr>
+          <a:xfrm>
+            <a:off x="4710288" y="3903661"/>
+            <a:ext cx="3183216" cy="2382838"/>
+          </a:xfrm>
+          <a:prstGeom prst="rect">
+            <a:avLst/>
+          </a:prstGeom>
+        </p:spPr>
+      </p:pic>
     </p:spTree>
     <p:extLst>
       <p:ext uri="{BB962C8B-B14F-4D97-AF65-F5344CB8AC3E}">
@@ -14923,7 +14791,7 @@
   <p:timing>
     <p:tnLst>
       <p:par>
-        <p:cTn xmlns:p14="http://schemas.microsoft.com/office/powerpoint/2010/main" id="1" dur="indefinite" restart="never" nodeType="tmRoot"/>
+        <p:cTn id="1" dur="indefinite" restart="never" nodeType="tmRoot"/>
       </p:par>
     </p:tnLst>
   </p:timing>
@@ -15054,7 +14922,7 @@
   <p:timing>
     <p:tnLst>
       <p:par>
-        <p:cTn xmlns:p14="http://schemas.microsoft.com/office/powerpoint/2010/main" id="1" dur="indefinite" restart="never" nodeType="tmRoot"/>
+        <p:cTn id="1" dur="indefinite" restart="never" nodeType="tmRoot"/>
       </p:par>
     </p:tnLst>
   </p:timing>

--- a/presentation.pptx
+++ b/presentation.pptx
@@ -4,15 +4,17 @@
   <p:sldMasterIdLst>
     <p:sldMasterId id="2147483981" r:id="rId1"/>
   </p:sldMasterIdLst>
+  <p:notesMasterIdLst>
+    <p:notesMasterId r:id="rId9"/>
+  </p:notesMasterIdLst>
   <p:sldIdLst>
     <p:sldId id="256" r:id="rId2"/>
     <p:sldId id="257" r:id="rId3"/>
-    <p:sldId id="263" r:id="rId4"/>
-    <p:sldId id="262" r:id="rId5"/>
-    <p:sldId id="258" r:id="rId6"/>
-    <p:sldId id="259" r:id="rId7"/>
-    <p:sldId id="264" r:id="rId8"/>
-    <p:sldId id="260" r:id="rId9"/>
+    <p:sldId id="262" r:id="rId4"/>
+    <p:sldId id="258" r:id="rId5"/>
+    <p:sldId id="259" r:id="rId6"/>
+    <p:sldId id="264" r:id="rId7"/>
+    <p:sldId id="260" r:id="rId8"/>
   </p:sldIdLst>
   <p:sldSz cx="9144000" cy="6858000" type="screen4x3"/>
   <p:notesSz cx="6858000" cy="9144000"/>
@@ -112,6 +114,457 @@
     </a:lvl9pPr>
   </p:defaultTextStyle>
 </p:presentation>
+</file>
+
+<file path=ppt/notesMasters/notesMaster1.xml><?xml version="1.0" encoding="utf-8"?>
+<p:notesMaster xmlns:a="http://schemas.openxmlformats.org/drawingml/2006/main" xmlns:r="http://schemas.openxmlformats.org/officeDocument/2006/relationships" xmlns:p="http://schemas.openxmlformats.org/presentationml/2006/main">
+  <p:cSld>
+    <p:bg>
+      <p:bgRef idx="1001">
+        <a:schemeClr val="bg1"/>
+      </p:bgRef>
+    </p:bg>
+    <p:spTree>
+      <p:nvGrpSpPr>
+        <p:cNvPr id="1" name=""/>
+        <p:cNvGrpSpPr/>
+        <p:nvPr/>
+      </p:nvGrpSpPr>
+      <p:grpSpPr>
+        <a:xfrm>
+          <a:off x="0" y="0"/>
+          <a:ext cx="0" cy="0"/>
+          <a:chOff x="0" y="0"/>
+          <a:chExt cx="0" cy="0"/>
+        </a:xfrm>
+      </p:grpSpPr>
+      <p:sp>
+        <p:nvSpPr>
+          <p:cNvPr id="2" name="Header Placeholder 1"/>
+          <p:cNvSpPr>
+            <a:spLocks noGrp="1"/>
+          </p:cNvSpPr>
+          <p:nvPr>
+            <p:ph type="hdr" sz="quarter"/>
+          </p:nvPr>
+        </p:nvSpPr>
+        <p:spPr>
+          <a:xfrm>
+            <a:off x="0" y="0"/>
+            <a:ext cx="2971800" cy="457200"/>
+          </a:xfrm>
+          <a:prstGeom prst="rect">
+            <a:avLst/>
+          </a:prstGeom>
+        </p:spPr>
+        <p:txBody>
+          <a:bodyPr vert="horz" lIns="91440" tIns="45720" rIns="91440" bIns="45720" rtlCol="0"/>
+          <a:lstStyle>
+            <a:lvl1pPr algn="l">
+              <a:defRPr sz="1200"/>
+            </a:lvl1pPr>
+          </a:lstStyle>
+          <a:p>
+            <a:endParaRPr lang="en-US"/>
+          </a:p>
+        </p:txBody>
+      </p:sp>
+      <p:sp>
+        <p:nvSpPr>
+          <p:cNvPr id="3" name="Date Placeholder 2"/>
+          <p:cNvSpPr>
+            <a:spLocks noGrp="1"/>
+          </p:cNvSpPr>
+          <p:nvPr>
+            <p:ph type="dt" idx="1"/>
+          </p:nvPr>
+        </p:nvSpPr>
+        <p:spPr>
+          <a:xfrm>
+            <a:off x="3884613" y="0"/>
+            <a:ext cx="2971800" cy="457200"/>
+          </a:xfrm>
+          <a:prstGeom prst="rect">
+            <a:avLst/>
+          </a:prstGeom>
+        </p:spPr>
+        <p:txBody>
+          <a:bodyPr vert="horz" lIns="91440" tIns="45720" rIns="91440" bIns="45720" rtlCol="0"/>
+          <a:lstStyle>
+            <a:lvl1pPr algn="r">
+              <a:defRPr sz="1200"/>
+            </a:lvl1pPr>
+          </a:lstStyle>
+          <a:p>
+            <a:fld id="{B671E399-AAD0-EF48-8437-CE53231FCBC4}" type="datetimeFigureOut">
+              <a:rPr lang="en-US" smtClean="0"/>
+              <a:t>5/16/12</a:t>
+            </a:fld>
+            <a:endParaRPr lang="en-US"/>
+          </a:p>
+        </p:txBody>
+      </p:sp>
+      <p:sp>
+        <p:nvSpPr>
+          <p:cNvPr id="4" name="Slide Image Placeholder 3"/>
+          <p:cNvSpPr>
+            <a:spLocks noGrp="1" noRot="1" noChangeAspect="1"/>
+          </p:cNvSpPr>
+          <p:nvPr>
+            <p:ph type="sldImg" idx="2"/>
+          </p:nvPr>
+        </p:nvSpPr>
+        <p:spPr>
+          <a:xfrm>
+            <a:off x="1143000" y="685800"/>
+            <a:ext cx="4572000" cy="3429000"/>
+          </a:xfrm>
+          <a:prstGeom prst="rect">
+            <a:avLst/>
+          </a:prstGeom>
+          <a:noFill/>
+          <a:ln w="12700">
+            <a:solidFill>
+              <a:prstClr val="black"/>
+            </a:solidFill>
+          </a:ln>
+        </p:spPr>
+        <p:txBody>
+          <a:bodyPr vert="horz" lIns="91440" tIns="45720" rIns="91440" bIns="45720" rtlCol="0" anchor="ctr"/>
+          <a:lstStyle/>
+          <a:p>
+            <a:endParaRPr lang="en-US"/>
+          </a:p>
+        </p:txBody>
+      </p:sp>
+      <p:sp>
+        <p:nvSpPr>
+          <p:cNvPr id="5" name="Notes Placeholder 4"/>
+          <p:cNvSpPr>
+            <a:spLocks noGrp="1"/>
+          </p:cNvSpPr>
+          <p:nvPr>
+            <p:ph type="body" sz="quarter" idx="3"/>
+          </p:nvPr>
+        </p:nvSpPr>
+        <p:spPr>
+          <a:xfrm>
+            <a:off x="685800" y="4343400"/>
+            <a:ext cx="5486400" cy="4114800"/>
+          </a:xfrm>
+          <a:prstGeom prst="rect">
+            <a:avLst/>
+          </a:prstGeom>
+        </p:spPr>
+        <p:txBody>
+          <a:bodyPr vert="horz" lIns="91440" tIns="45720" rIns="91440" bIns="45720" rtlCol="0"/>
+          <a:lstStyle/>
+          <a:p>
+            <a:pPr lvl="0"/>
+            <a:r>
+              <a:rPr lang="en-US" smtClean="0"/>
+              <a:t>Click to edit Master text styles</a:t>
+            </a:r>
+          </a:p>
+          <a:p>
+            <a:pPr lvl="1"/>
+            <a:r>
+              <a:rPr lang="en-US" smtClean="0"/>
+              <a:t>Second level</a:t>
+            </a:r>
+          </a:p>
+          <a:p>
+            <a:pPr lvl="2"/>
+            <a:r>
+              <a:rPr lang="en-US" smtClean="0"/>
+              <a:t>Third level</a:t>
+            </a:r>
+          </a:p>
+          <a:p>
+            <a:pPr lvl="3"/>
+            <a:r>
+              <a:rPr lang="en-US" smtClean="0"/>
+              <a:t>Fourth level</a:t>
+            </a:r>
+          </a:p>
+          <a:p>
+            <a:pPr lvl="4"/>
+            <a:r>
+              <a:rPr lang="en-US" smtClean="0"/>
+              <a:t>Fifth level</a:t>
+            </a:r>
+            <a:endParaRPr lang="en-US"/>
+          </a:p>
+        </p:txBody>
+      </p:sp>
+      <p:sp>
+        <p:nvSpPr>
+          <p:cNvPr id="6" name="Footer Placeholder 5"/>
+          <p:cNvSpPr>
+            <a:spLocks noGrp="1"/>
+          </p:cNvSpPr>
+          <p:nvPr>
+            <p:ph type="ftr" sz="quarter" idx="4"/>
+          </p:nvPr>
+        </p:nvSpPr>
+        <p:spPr>
+          <a:xfrm>
+            <a:off x="0" y="8685213"/>
+            <a:ext cx="2971800" cy="457200"/>
+          </a:xfrm>
+          <a:prstGeom prst="rect">
+            <a:avLst/>
+          </a:prstGeom>
+        </p:spPr>
+        <p:txBody>
+          <a:bodyPr vert="horz" lIns="91440" tIns="45720" rIns="91440" bIns="45720" rtlCol="0" anchor="b"/>
+          <a:lstStyle>
+            <a:lvl1pPr algn="l">
+              <a:defRPr sz="1200"/>
+            </a:lvl1pPr>
+          </a:lstStyle>
+          <a:p>
+            <a:endParaRPr lang="en-US"/>
+          </a:p>
+        </p:txBody>
+      </p:sp>
+      <p:sp>
+        <p:nvSpPr>
+          <p:cNvPr id="7" name="Slide Number Placeholder 6"/>
+          <p:cNvSpPr>
+            <a:spLocks noGrp="1"/>
+          </p:cNvSpPr>
+          <p:nvPr>
+            <p:ph type="sldNum" sz="quarter" idx="5"/>
+          </p:nvPr>
+        </p:nvSpPr>
+        <p:spPr>
+          <a:xfrm>
+            <a:off x="3884613" y="8685213"/>
+            <a:ext cx="2971800" cy="457200"/>
+          </a:xfrm>
+          <a:prstGeom prst="rect">
+            <a:avLst/>
+          </a:prstGeom>
+        </p:spPr>
+        <p:txBody>
+          <a:bodyPr vert="horz" lIns="91440" tIns="45720" rIns="91440" bIns="45720" rtlCol="0" anchor="b"/>
+          <a:lstStyle>
+            <a:lvl1pPr algn="r">
+              <a:defRPr sz="1200"/>
+            </a:lvl1pPr>
+          </a:lstStyle>
+          <a:p>
+            <a:fld id="{FCCCFF32-6530-5648-BF3F-959AEFF1032D}" type="slidenum">
+              <a:rPr lang="en-US" smtClean="0"/>
+              <a:t>‹#›</a:t>
+            </a:fld>
+            <a:endParaRPr lang="en-US"/>
+          </a:p>
+        </p:txBody>
+      </p:sp>
+    </p:spTree>
+    <p:extLst>
+      <p:ext uri="{BB962C8B-B14F-4D97-AF65-F5344CB8AC3E}">
+        <p14:creationId xmlns:p14="http://schemas.microsoft.com/office/powerpoint/2010/main" val="2245814203"/>
+      </p:ext>
+    </p:extLst>
+  </p:cSld>
+  <p:clrMap bg1="lt1" tx1="dk1" bg2="lt2" tx2="dk2" accent1="accent1" accent2="accent2" accent3="accent3" accent4="accent4" accent5="accent5" accent6="accent6" hlink="hlink" folHlink="folHlink"/>
+  <p:notesStyle>
+    <a:lvl1pPr marL="0" algn="l" defTabSz="457200" rtl="0" eaLnBrk="1" latinLnBrk="0" hangingPunct="1">
+      <a:defRPr sz="1200" kern="1200">
+        <a:solidFill>
+          <a:schemeClr val="tx1"/>
+        </a:solidFill>
+        <a:latin typeface="+mn-lt"/>
+        <a:ea typeface="+mn-ea"/>
+        <a:cs typeface="+mn-cs"/>
+      </a:defRPr>
+    </a:lvl1pPr>
+    <a:lvl2pPr marL="457200" algn="l" defTabSz="457200" rtl="0" eaLnBrk="1" latinLnBrk="0" hangingPunct="1">
+      <a:defRPr sz="1200" kern="1200">
+        <a:solidFill>
+          <a:schemeClr val="tx1"/>
+        </a:solidFill>
+        <a:latin typeface="+mn-lt"/>
+        <a:ea typeface="+mn-ea"/>
+        <a:cs typeface="+mn-cs"/>
+      </a:defRPr>
+    </a:lvl2pPr>
+    <a:lvl3pPr marL="914400" algn="l" defTabSz="457200" rtl="0" eaLnBrk="1" latinLnBrk="0" hangingPunct="1">
+      <a:defRPr sz="1200" kern="1200">
+        <a:solidFill>
+          <a:schemeClr val="tx1"/>
+        </a:solidFill>
+        <a:latin typeface="+mn-lt"/>
+        <a:ea typeface="+mn-ea"/>
+        <a:cs typeface="+mn-cs"/>
+      </a:defRPr>
+    </a:lvl3pPr>
+    <a:lvl4pPr marL="1371600" algn="l" defTabSz="457200" rtl="0" eaLnBrk="1" latinLnBrk="0" hangingPunct="1">
+      <a:defRPr sz="1200" kern="1200">
+        <a:solidFill>
+          <a:schemeClr val="tx1"/>
+        </a:solidFill>
+        <a:latin typeface="+mn-lt"/>
+        <a:ea typeface="+mn-ea"/>
+        <a:cs typeface="+mn-cs"/>
+      </a:defRPr>
+    </a:lvl4pPr>
+    <a:lvl5pPr marL="1828800" algn="l" defTabSz="457200" rtl="0" eaLnBrk="1" latinLnBrk="0" hangingPunct="1">
+      <a:defRPr sz="1200" kern="1200">
+        <a:solidFill>
+          <a:schemeClr val="tx1"/>
+        </a:solidFill>
+        <a:latin typeface="+mn-lt"/>
+        <a:ea typeface="+mn-ea"/>
+        <a:cs typeface="+mn-cs"/>
+      </a:defRPr>
+    </a:lvl5pPr>
+    <a:lvl6pPr marL="2286000" algn="l" defTabSz="457200" rtl="0" eaLnBrk="1" latinLnBrk="0" hangingPunct="1">
+      <a:defRPr sz="1200" kern="1200">
+        <a:solidFill>
+          <a:schemeClr val="tx1"/>
+        </a:solidFill>
+        <a:latin typeface="+mn-lt"/>
+        <a:ea typeface="+mn-ea"/>
+        <a:cs typeface="+mn-cs"/>
+      </a:defRPr>
+    </a:lvl6pPr>
+    <a:lvl7pPr marL="2743200" algn="l" defTabSz="457200" rtl="0" eaLnBrk="1" latinLnBrk="0" hangingPunct="1">
+      <a:defRPr sz="1200" kern="1200">
+        <a:solidFill>
+          <a:schemeClr val="tx1"/>
+        </a:solidFill>
+        <a:latin typeface="+mn-lt"/>
+        <a:ea typeface="+mn-ea"/>
+        <a:cs typeface="+mn-cs"/>
+      </a:defRPr>
+    </a:lvl7pPr>
+    <a:lvl8pPr marL="3200400" algn="l" defTabSz="457200" rtl="0" eaLnBrk="1" latinLnBrk="0" hangingPunct="1">
+      <a:defRPr sz="1200" kern="1200">
+        <a:solidFill>
+          <a:schemeClr val="tx1"/>
+        </a:solidFill>
+        <a:latin typeface="+mn-lt"/>
+        <a:ea typeface="+mn-ea"/>
+        <a:cs typeface="+mn-cs"/>
+      </a:defRPr>
+    </a:lvl8pPr>
+    <a:lvl9pPr marL="3657600" algn="l" defTabSz="457200" rtl="0" eaLnBrk="1" latinLnBrk="0" hangingPunct="1">
+      <a:defRPr sz="1200" kern="1200">
+        <a:solidFill>
+          <a:schemeClr val="tx1"/>
+        </a:solidFill>
+        <a:latin typeface="+mn-lt"/>
+        <a:ea typeface="+mn-ea"/>
+        <a:cs typeface="+mn-cs"/>
+      </a:defRPr>
+    </a:lvl9pPr>
+  </p:notesStyle>
+</p:notesMaster>
+</file>
+
+<file path=ppt/notesSlides/notesSlide1.xml><?xml version="1.0" encoding="utf-8"?>
+<p:notes xmlns:a="http://schemas.openxmlformats.org/drawingml/2006/main" xmlns:r="http://schemas.openxmlformats.org/officeDocument/2006/relationships" xmlns:p="http://schemas.openxmlformats.org/presentationml/2006/main">
+  <p:cSld>
+    <p:spTree>
+      <p:nvGrpSpPr>
+        <p:cNvPr id="1" name=""/>
+        <p:cNvGrpSpPr/>
+        <p:nvPr/>
+      </p:nvGrpSpPr>
+      <p:grpSpPr>
+        <a:xfrm>
+          <a:off x="0" y="0"/>
+          <a:ext cx="0" cy="0"/>
+          <a:chOff x="0" y="0"/>
+          <a:chExt cx="0" cy="0"/>
+        </a:xfrm>
+      </p:grpSpPr>
+      <p:sp>
+        <p:nvSpPr>
+          <p:cNvPr id="2" name="Slide Image Placeholder 1"/>
+          <p:cNvSpPr>
+            <a:spLocks noGrp="1" noRot="1" noChangeAspect="1"/>
+          </p:cNvSpPr>
+          <p:nvPr>
+            <p:ph type="sldImg"/>
+          </p:nvPr>
+        </p:nvSpPr>
+        <p:spPr/>
+      </p:sp>
+      <p:sp>
+        <p:nvSpPr>
+          <p:cNvPr id="3" name="Notes Placeholder 2"/>
+          <p:cNvSpPr>
+            <a:spLocks noGrp="1"/>
+          </p:cNvSpPr>
+          <p:nvPr>
+            <p:ph type="body" idx="1"/>
+          </p:nvPr>
+        </p:nvSpPr>
+        <p:spPr/>
+        <p:txBody>
+          <a:bodyPr/>
+          <a:lstStyle/>
+          <a:p>
+            <a:pPr marL="0" marR="0" indent="0" algn="l" defTabSz="457200" rtl="0" eaLnBrk="1" fontAlgn="auto" latinLnBrk="0" hangingPunct="1">
+              <a:lnSpc>
+                <a:spcPct val="100000"/>
+              </a:lnSpc>
+              <a:spcBef>
+                <a:spcPts val="0"/>
+              </a:spcBef>
+              <a:spcAft>
+                <a:spcPts val="0"/>
+              </a:spcAft>
+              <a:buClrTx/>
+              <a:buSzTx/>
+              <a:buFontTx/>
+              <a:buNone/>
+              <a:tabLst/>
+              <a:defRPr/>
+            </a:pPr>
+            <a:endParaRPr lang="en-US" dirty="0"/>
+          </a:p>
+        </p:txBody>
+      </p:sp>
+      <p:sp>
+        <p:nvSpPr>
+          <p:cNvPr id="4" name="Slide Number Placeholder 3"/>
+          <p:cNvSpPr>
+            <a:spLocks noGrp="1"/>
+          </p:cNvSpPr>
+          <p:nvPr>
+            <p:ph type="sldNum" sz="quarter" idx="10"/>
+          </p:nvPr>
+        </p:nvSpPr>
+        <p:spPr/>
+        <p:txBody>
+          <a:bodyPr/>
+          <a:lstStyle/>
+          <a:p>
+            <a:fld id="{FCCCFF32-6530-5648-BF3F-959AEFF1032D}" type="slidenum">
+              <a:rPr lang="en-US" smtClean="0"/>
+              <a:t>6</a:t>
+            </a:fld>
+            <a:endParaRPr lang="en-US"/>
+          </a:p>
+        </p:txBody>
+      </p:sp>
+    </p:spTree>
+    <p:extLst>
+      <p:ext uri="{BB962C8B-B14F-4D97-AF65-F5344CB8AC3E}">
+        <p14:creationId xmlns:p14="http://schemas.microsoft.com/office/powerpoint/2010/main" val="3963747658"/>
+      </p:ext>
+    </p:extLst>
+  </p:cSld>
+  <p:clrMapOvr>
+    <a:masterClrMapping/>
+  </p:clrMapOvr>
+</p:notes>
 </file>
 
 <file path=ppt/slideLayouts/slideLayout1.xml><?xml version="1.0" encoding="utf-8"?>
@@ -13772,8 +14225,8 @@
         </p:nvSpPr>
         <p:spPr>
           <a:xfrm>
-            <a:off x="4733365" y="2972195"/>
-            <a:ext cx="2549407" cy="1094307"/>
+            <a:off x="4733365" y="2487944"/>
+            <a:ext cx="3309803" cy="1255822"/>
           </a:xfrm>
         </p:spPr>
         <p:txBody>
@@ -13784,15 +14237,19 @@
           <a:p>
             <a:r>
               <a:rPr lang="en-US" sz="2400" dirty="0" smtClean="0"/>
-              <a:t>Automating Local </a:t>
-            </a:r>
-            <a:r>
-              <a:rPr lang="en-US" sz="2400" dirty="0"/>
-              <a:t>C</a:t>
+              <a:t>Implementing </a:t>
             </a:r>
             <a:r>
               <a:rPr lang="en-US" sz="2400" dirty="0" smtClean="0"/>
-              <a:t>aching for Web Applications</a:t>
+              <a:t>Local </a:t>
+            </a:r>
+            <a:r>
+              <a:rPr lang="en-US" sz="2400" dirty="0" smtClean="0"/>
+              <a:t>Caching Strategies </a:t>
+            </a:r>
+            <a:r>
+              <a:rPr lang="en-US" sz="2400" dirty="0" smtClean="0"/>
+              <a:t>for Web Applications</a:t>
             </a:r>
             <a:endParaRPr lang="en-US" sz="2400" dirty="0"/>
           </a:p>
@@ -13967,7 +14424,19 @@
             <a:pPr lvl="1"/>
             <a:r>
               <a:rPr lang="en-US" dirty="0" smtClean="0"/>
-              <a:t>Few models vs. many models</a:t>
+              <a:t>Many</a:t>
+            </a:r>
+            <a:r>
+              <a:rPr lang="en-US" dirty="0" smtClean="0"/>
+              <a:t> </a:t>
+            </a:r>
+            <a:r>
+              <a:rPr lang="en-US" dirty="0" smtClean="0"/>
+              <a:t>models </a:t>
+            </a:r>
+            <a:r>
+              <a:rPr lang="en-US" dirty="0" smtClean="0"/>
+              <a:t>vs. few models</a:t>
             </a:r>
             <a:endParaRPr lang="en-US" dirty="0"/>
           </a:p>
@@ -13986,7 +14455,7 @@
   <p:timing>
     <p:tnLst>
       <p:par>
-        <p:cTn id="1" dur="indefinite" restart="never" nodeType="tmRoot"/>
+        <p:cTn xmlns:p14="http://schemas.microsoft.com/office/powerpoint/2010/main" id="1" dur="indefinite" restart="never" nodeType="tmRoot"/>
       </p:par>
     </p:tnLst>
   </p:timing>
@@ -14023,13 +14492,17 @@
         <p:spPr/>
         <p:txBody>
           <a:bodyPr>
-            <a:noAutofit/>
+            <a:normAutofit fontScale="90000"/>
           </a:bodyPr>
           <a:lstStyle/>
           <a:p>
             <a:r>
+              <a:rPr lang="en-US" sz="4400" dirty="0" smtClean="0"/>
+              <a:t>Approach</a:t>
+            </a:r>
+            <a:r>
               <a:rPr lang="en-US" dirty="0" smtClean="0"/>
-              <a:t>Previous Work</a:t>
+              <a:t/>
             </a:r>
             <a:br>
               <a:rPr lang="en-US" dirty="0" smtClean="0"/>
@@ -14048,15 +14521,138 @@
             <p:ph idx="1"/>
           </p:nvPr>
         </p:nvSpPr>
-        <p:spPr/>
+        <p:spPr>
+          <a:xfrm>
+            <a:off x="1043490" y="1958883"/>
+            <a:ext cx="7024744" cy="4191590"/>
+          </a:xfrm>
+        </p:spPr>
         <p:txBody>
-          <a:bodyPr/>
+          <a:bodyPr>
+            <a:normAutofit fontScale="92500" lnSpcReduction="10000"/>
+          </a:bodyPr>
           <a:lstStyle/>
           <a:p>
+            <a:r>
+              <a:rPr lang="en-US" dirty="0" smtClean="0"/>
+              <a:t>Develop our own API to automate local caching strategies using </a:t>
+            </a:r>
+            <a:r>
+              <a:rPr lang="en-US" dirty="0" err="1" smtClean="0"/>
+              <a:t>Backbone.js</a:t>
+            </a:r>
+            <a:r>
+              <a:rPr lang="en-US" dirty="0" smtClean="0"/>
+              <a:t> </a:t>
+            </a:r>
+          </a:p>
+          <a:p>
+            <a:pPr marL="68580" indent="0">
+              <a:buNone/>
+            </a:pPr>
             <a:endParaRPr lang="en-US" dirty="0" smtClean="0"/>
           </a:p>
           <a:p>
+            <a:pPr marL="822960" lvl="1" indent="-457200">
+              <a:buFont typeface="Wingdings" charset="2"/>
+              <a:buAutoNum type="arabicPlain"/>
+            </a:pPr>
+            <a:r>
+              <a:rPr lang="en-US" dirty="0"/>
+              <a:t>Store one key per </a:t>
+            </a:r>
+            <a:r>
+              <a:rPr lang="en-US" b="1" dirty="0"/>
+              <a:t>model</a:t>
+            </a:r>
+          </a:p>
+          <a:p>
+            <a:pPr marL="822960" lvl="1" indent="-457200">
+              <a:buFont typeface="Wingdings" charset="2"/>
+              <a:buAutoNum type="arabicPlain"/>
+            </a:pPr>
+            <a:r>
+              <a:rPr lang="en-US" dirty="0" smtClean="0"/>
+              <a:t>Store </a:t>
+            </a:r>
+            <a:r>
+              <a:rPr lang="en-US" dirty="0"/>
+              <a:t>one key per </a:t>
+            </a:r>
+            <a:r>
+              <a:rPr lang="en-US" b="1" dirty="0"/>
+              <a:t>collection</a:t>
+            </a:r>
+          </a:p>
+          <a:p>
+            <a:pPr marL="68580" indent="0">
+              <a:buNone/>
+            </a:pPr>
+            <a:endParaRPr lang="en-US" dirty="0" smtClean="0"/>
+          </a:p>
+          <a:p>
+            <a:r>
+              <a:rPr lang="en-US" dirty="0" smtClean="0"/>
+              <a:t>Create </a:t>
+            </a:r>
+            <a:r>
+              <a:rPr lang="en-US" dirty="0" smtClean="0"/>
+              <a:t>test </a:t>
+            </a:r>
+            <a:r>
+              <a:rPr lang="en-US" dirty="0" smtClean="0"/>
+              <a:t>applications to </a:t>
+            </a:r>
+            <a:r>
+              <a:rPr lang="en-US" dirty="0" smtClean="0"/>
+              <a:t>evaluate</a:t>
+            </a:r>
+            <a:r>
+              <a:rPr lang="en-US" dirty="0" smtClean="0"/>
+              <a:t> </a:t>
+            </a:r>
+            <a:r>
+              <a:rPr lang="en-US" dirty="0" smtClean="0"/>
+              <a:t>load time </a:t>
+            </a:r>
+            <a:r>
+              <a:rPr lang="en-US" dirty="0" smtClean="0"/>
+              <a:t>performance under different conditions</a:t>
+            </a:r>
+          </a:p>
+          <a:p>
+            <a:pPr marL="68580" indent="0">
+              <a:buNone/>
+            </a:pPr>
+            <a:endParaRPr lang="en-US" dirty="0" smtClean="0"/>
+          </a:p>
+          <a:p>
+            <a:pPr lvl="1"/>
+            <a:r>
+              <a:rPr lang="en-US" dirty="0" smtClean="0"/>
+              <a:t>from local store vs. server</a:t>
+            </a:r>
+          </a:p>
+          <a:p>
+            <a:pPr lvl="1"/>
+            <a:r>
+              <a:rPr lang="en-US" dirty="0" smtClean="0"/>
+              <a:t>Small size vs. big size models</a:t>
+            </a:r>
+          </a:p>
+          <a:p>
+            <a:pPr lvl="1"/>
+            <a:r>
+              <a:rPr lang="en-US" dirty="0" smtClean="0"/>
+              <a:t>Many models vs. few models</a:t>
+            </a:r>
             <a:endParaRPr lang="en-US" dirty="0"/>
+          </a:p>
+          <a:p>
+            <a:pPr marL="68580" indent="0">
+              <a:buNone/>
+            </a:pPr>
+            <a:endParaRPr lang="en-US" dirty="0" smtClean="0"/>
           </a:p>
         </p:txBody>
       </p:sp>
@@ -14073,7 +14669,7 @@
   <p:timing>
     <p:tnLst>
       <p:par>
-        <p:cTn id="1" dur="indefinite" restart="never" nodeType="tmRoot"/>
+        <p:cTn xmlns:p14="http://schemas.microsoft.com/office/powerpoint/2010/main" id="1" dur="indefinite" restart="never" nodeType="tmRoot"/>
       </p:par>
     </p:tnLst>
   </p:timing>
@@ -14116,7 +14712,7 @@
           <a:p>
             <a:r>
               <a:rPr lang="en-US" sz="4400" dirty="0" smtClean="0"/>
-              <a:t>Approach</a:t>
+              <a:t>Solution: Backend</a:t>
             </a:r>
             <a:r>
               <a:rPr lang="en-US" dirty="0" smtClean="0"/>
@@ -14141,19 +14737,17 @@
         </p:nvSpPr>
         <p:spPr>
           <a:xfrm>
-            <a:off x="1043490" y="1958883"/>
-            <a:ext cx="6887841" cy="3958485"/>
+            <a:off x="1043490" y="2026496"/>
+            <a:ext cx="7239143" cy="3944912"/>
           </a:xfrm>
         </p:spPr>
         <p:txBody>
-          <a:bodyPr>
-            <a:normAutofit fontScale="92500" lnSpcReduction="10000"/>
-          </a:bodyPr>
+          <a:bodyPr/>
           <a:lstStyle/>
           <a:p>
             <a:r>
               <a:rPr lang="en-US" dirty="0" smtClean="0"/>
-              <a:t>Develop our own API to automate local caching strategies using </a:t>
+              <a:t>Use </a:t>
             </a:r>
             <a:r>
               <a:rPr lang="en-US" dirty="0" err="1" smtClean="0"/>
@@ -14161,7 +14755,20 @@
             </a:r>
             <a:r>
               <a:rPr lang="en-US" dirty="0" smtClean="0"/>
-              <a:t> </a:t>
+              <a:t> to implement local caching</a:t>
+            </a:r>
+          </a:p>
+          <a:p>
+            <a:pPr marL="365760" lvl="1" indent="0">
+              <a:buNone/>
+            </a:pPr>
+            <a:r>
+              <a:rPr lang="en-US" dirty="0" smtClean="0"/>
+              <a:t>Event </a:t>
+            </a:r>
+            <a:r>
+              <a:rPr lang="en-US" dirty="0" smtClean="0"/>
+              <a:t>listeners per model and collection</a:t>
             </a:r>
           </a:p>
           <a:p>
@@ -14171,35 +14778,13 @@
             <a:endParaRPr lang="en-US" dirty="0" smtClean="0"/>
           </a:p>
           <a:p>
-            <a:pPr marL="822960" lvl="1" indent="-457200">
-              <a:buFont typeface="Wingdings" charset="2"/>
-              <a:buAutoNum type="arabicPlain"/>
-            </a:pPr>
-            <a:r>
-              <a:rPr lang="en-US" dirty="0"/>
-              <a:t>Store one key per </a:t>
-            </a:r>
-            <a:r>
-              <a:rPr lang="en-US" b="1" dirty="0"/>
-              <a:t>model</a:t>
-            </a:r>
-          </a:p>
-          <a:p>
-            <a:pPr marL="822960" lvl="1" indent="-457200">
-              <a:buFont typeface="Wingdings" charset="2"/>
-              <a:buAutoNum type="arabicPlain"/>
-            </a:pPr>
             <a:r>
               <a:rPr lang="en-US" dirty="0" smtClean="0"/>
-              <a:t>Store </a:t>
-            </a:r>
-            <a:r>
-              <a:rPr lang="en-US" dirty="0"/>
-              <a:t>one key per </a:t>
-            </a:r>
-            <a:r>
-              <a:rPr lang="en-US" b="1" dirty="0"/>
-              <a:t>collection</a:t>
+              <a:t>Employ two caching </a:t>
+            </a:r>
+            <a:r>
+              <a:rPr lang="en-US" dirty="0" smtClean="0"/>
+              <a:t>strategies</a:t>
             </a:r>
           </a:p>
           <a:p>
@@ -14209,45 +14794,51 @@
             <a:endParaRPr lang="en-US" dirty="0" smtClean="0"/>
           </a:p>
           <a:p>
-            <a:r>
-              <a:rPr lang="en-US" dirty="0" smtClean="0"/>
-              <a:t>Create three test applications to test load time performance</a:t>
-            </a:r>
-          </a:p>
-          <a:p>
-            <a:pPr lvl="1"/>
-            <a:r>
-              <a:rPr lang="en-US" dirty="0" smtClean="0"/>
-              <a:t>from local store vs. server</a:t>
-            </a:r>
-          </a:p>
-          <a:p>
-            <a:pPr lvl="1"/>
-            <a:r>
-              <a:rPr lang="en-US" dirty="0" smtClean="0"/>
-              <a:t>Small size vs. big size models</a:t>
-            </a:r>
-          </a:p>
-          <a:p>
-            <a:pPr lvl="1"/>
-            <a:r>
-              <a:rPr lang="en-US" dirty="0" smtClean="0"/>
-              <a:t>Many models vs. few models</a:t>
-            </a:r>
-            <a:endParaRPr lang="en-US" dirty="0"/>
-          </a:p>
-          <a:p>
-            <a:pPr marL="68580" indent="0">
+            <a:pPr marL="365760" lvl="1" indent="0">
               <a:buNone/>
             </a:pPr>
+            <a:r>
+              <a:rPr lang="en-US" dirty="0" smtClean="0"/>
+              <a:t>Store </a:t>
+            </a:r>
+            <a:r>
+              <a:rPr lang="en-US" dirty="0" smtClean="0"/>
+              <a:t>one key per </a:t>
+            </a:r>
+            <a:r>
+              <a:rPr lang="en-US" b="1" dirty="0" smtClean="0"/>
+              <a:t>model</a:t>
+            </a:r>
+          </a:p>
+          <a:p>
+            <a:pPr marL="365760" lvl="1" indent="0">
+              <a:buNone/>
+            </a:pPr>
+            <a:r>
+              <a:rPr lang="en-US" dirty="0" smtClean="0"/>
+              <a:t>Store </a:t>
+            </a:r>
+            <a:r>
+              <a:rPr lang="en-US" dirty="0" smtClean="0"/>
+              <a:t>one key per </a:t>
+            </a:r>
+            <a:r>
+              <a:rPr lang="en-US" b="1" dirty="0" smtClean="0"/>
+              <a:t>collection</a:t>
+            </a:r>
+          </a:p>
+          <a:p>
             <a:endParaRPr lang="en-US" dirty="0" smtClean="0"/>
+          </a:p>
+          <a:p>
+            <a:endParaRPr lang="en-US" dirty="0"/>
           </a:p>
         </p:txBody>
       </p:sp>
     </p:spTree>
     <p:extLst>
       <p:ext uri="{BB962C8B-B14F-4D97-AF65-F5344CB8AC3E}">
-        <p14:creationId xmlns:p14="http://schemas.microsoft.com/office/powerpoint/2010/main" val="3815157834"/>
+        <p14:creationId xmlns:p14="http://schemas.microsoft.com/office/powerpoint/2010/main" val="3356716546"/>
       </p:ext>
     </p:extLst>
   </p:cSld>
@@ -14257,7 +14848,7 @@
   <p:timing>
     <p:tnLst>
       <p:par>
-        <p:cTn id="1" dur="indefinite" restart="never" nodeType="tmRoot"/>
+        <p:cTn xmlns:p14="http://schemas.microsoft.com/office/powerpoint/2010/main" id="1" dur="indefinite" restart="never" nodeType="tmRoot"/>
       </p:par>
     </p:tnLst>
   </p:timing>
@@ -14300,7 +14891,7 @@
           <a:p>
             <a:r>
               <a:rPr lang="en-US" sz="4400" dirty="0" smtClean="0"/>
-              <a:t>Solution: Backend</a:t>
+              <a:t>Solution: Frontend</a:t>
             </a:r>
             <a:r>
               <a:rPr lang="en-US" dirty="0" smtClean="0"/>
@@ -14325,33 +14916,40 @@
         </p:nvSpPr>
         <p:spPr>
           <a:xfrm>
-            <a:off x="1043490" y="2026496"/>
-            <a:ext cx="7239143" cy="3944912"/>
+            <a:off x="1043492" y="1796826"/>
+            <a:ext cx="7024742" cy="4269152"/>
           </a:xfrm>
         </p:spPr>
         <p:txBody>
-          <a:bodyPr/>
+          <a:bodyPr>
+            <a:normAutofit/>
+          </a:bodyPr>
           <a:lstStyle/>
           <a:p>
+            <a:pPr marL="68580" indent="0">
+              <a:buNone/>
+            </a:pPr>
             <a:r>
               <a:rPr lang="en-US" dirty="0" smtClean="0"/>
-              <a:t>Use </a:t>
-            </a:r>
-            <a:r>
-              <a:rPr lang="en-US" dirty="0" err="1" smtClean="0"/>
-              <a:t>Backbone.js</a:t>
+              <a:t>Built 3 client-side applications to </a:t>
             </a:r>
             <a:r>
               <a:rPr lang="en-US" dirty="0" smtClean="0"/>
-              <a:t> to implement local caching</a:t>
-            </a:r>
-          </a:p>
-          <a:p>
-            <a:pPr lvl="1"/>
+              <a:t>evaluate</a:t>
+            </a:r>
             <a:r>
               <a:rPr lang="en-US" dirty="0" smtClean="0"/>
-              <a:t>Event listeners per model and collection</a:t>
-            </a:r>
+              <a:t> 2 caching strategies </a:t>
+            </a:r>
+            <a:r>
+              <a:rPr lang="en-US" dirty="0" smtClean="0"/>
+              <a:t>for </a:t>
+            </a:r>
+            <a:r>
+              <a:rPr lang="en-US" dirty="0" smtClean="0"/>
+              <a:t>various sized models of different numbers:</a:t>
+            </a:r>
+            <a:endParaRPr lang="en-US" dirty="0" smtClean="0"/>
           </a:p>
           <a:p>
             <a:pPr marL="68580" indent="0">
@@ -14360,41 +14958,117 @@
             <a:endParaRPr lang="en-US" dirty="0" smtClean="0"/>
           </a:p>
           <a:p>
-            <a:r>
-              <a:rPr lang="en-US" dirty="0" smtClean="0"/>
-              <a:t>Employ two caching strategies</a:t>
-            </a:r>
-          </a:p>
-          <a:p>
-            <a:pPr marL="365760" lvl="1" indent="0">
+            <a:pPr marL="68580" indent="0">
+              <a:spcBef>
+                <a:spcPts val="500"/>
+              </a:spcBef>
               <a:buNone/>
             </a:pPr>
             <a:r>
-              <a:rPr lang="en-US" dirty="0" smtClean="0"/>
-              <a:t>	Store one key per </a:t>
-            </a:r>
-            <a:r>
-              <a:rPr lang="en-US" b="1" dirty="0" smtClean="0"/>
-              <a:t>model</a:t>
+              <a:rPr lang="en-US" sz="2200" dirty="0" smtClean="0"/>
+              <a:t>   Loading documents (e.g. Google Docs)</a:t>
             </a:r>
           </a:p>
           <a:p>
             <a:pPr marL="365760" lvl="1" indent="0">
+              <a:spcBef>
+                <a:spcPts val="500"/>
+              </a:spcBef>
               <a:buNone/>
             </a:pPr>
             <a:r>
+              <a:rPr lang="en-US" sz="1400" dirty="0"/>
+              <a:t> </a:t>
+            </a:r>
+            <a:r>
+              <a:rPr lang="en-US" sz="1400" dirty="0" smtClean="0"/>
+              <a:t>      </a:t>
+            </a:r>
+            <a:r>
+              <a:rPr lang="en-US" sz="1600" b="1" dirty="0" smtClean="0"/>
+              <a:t>Large</a:t>
+            </a:r>
+            <a:r>
+              <a:rPr lang="en-US" sz="1600" dirty="0" smtClean="0"/>
+              <a:t>-size </a:t>
+            </a:r>
+            <a:r>
+              <a:rPr lang="en-US" sz="1600" dirty="0" smtClean="0"/>
+              <a:t>model</a:t>
+            </a:r>
+            <a:endParaRPr lang="en-US" sz="1600" dirty="0" smtClean="0"/>
+          </a:p>
+          <a:p>
+            <a:pPr marL="365760" lvl="1" indent="0">
+              <a:spcBef>
+                <a:spcPts val="500"/>
+              </a:spcBef>
+              <a:buNone/>
+            </a:pPr>
+            <a:r>
               <a:rPr lang="en-US" dirty="0" smtClean="0"/>
-              <a:t>	Store one key per </a:t>
+              <a:t>Loading </a:t>
+            </a:r>
+            <a:r>
+              <a:rPr lang="en-US" dirty="0" smtClean="0"/>
+              <a:t>emails (e.g. Gmail) </a:t>
+            </a:r>
+          </a:p>
+          <a:p>
+            <a:pPr marL="365760" lvl="1" indent="0">
+              <a:spcBef>
+                <a:spcPts val="500"/>
+              </a:spcBef>
+              <a:buNone/>
+            </a:pPr>
+            <a:r>
+              <a:rPr lang="en-US" dirty="0" smtClean="0"/>
+              <a:t>    </a:t>
             </a:r>
             <a:r>
               <a:rPr lang="en-US" b="1" dirty="0" smtClean="0"/>
-              <a:t>collection</a:t>
-            </a:r>
-          </a:p>
-          <a:p>
-            <a:endParaRPr lang="en-US" dirty="0" smtClean="0"/>
-          </a:p>
-          <a:p>
+              <a:t> </a:t>
+            </a:r>
+            <a:r>
+              <a:rPr lang="en-US" sz="1600" b="1" dirty="0" smtClean="0"/>
+              <a:t>Medium</a:t>
+            </a:r>
+            <a:r>
+              <a:rPr lang="en-US" sz="1600" dirty="0" smtClean="0"/>
+              <a:t>-size model</a:t>
+            </a:r>
+          </a:p>
+          <a:p>
+            <a:pPr marL="365760" lvl="1" indent="0">
+              <a:spcBef>
+                <a:spcPts val="500"/>
+              </a:spcBef>
+              <a:buNone/>
+            </a:pPr>
+            <a:r>
+              <a:rPr lang="en-US" dirty="0" smtClean="0"/>
+              <a:t>Loading notes (e.g. List-it) </a:t>
+            </a:r>
+          </a:p>
+          <a:p>
+            <a:pPr marL="365760" lvl="1" indent="0">
+              <a:spcBef>
+                <a:spcPts val="500"/>
+              </a:spcBef>
+              <a:buNone/>
+            </a:pPr>
+            <a:r>
+              <a:rPr lang="en-US" dirty="0" smtClean="0"/>
+              <a:t>     </a:t>
+            </a:r>
+            <a:r>
+              <a:rPr lang="en-US" sz="1600" b="1" dirty="0" smtClean="0"/>
+              <a:t>Small</a:t>
+            </a:r>
+            <a:r>
+              <a:rPr lang="en-US" sz="1600" dirty="0" smtClean="0"/>
+              <a:t>-size model</a:t>
+            </a:r>
             <a:endParaRPr lang="en-US" dirty="0"/>
           </a:p>
         </p:txBody>
@@ -14402,7 +15076,7 @@
     </p:spTree>
     <p:extLst>
       <p:ext uri="{BB962C8B-B14F-4D97-AF65-F5344CB8AC3E}">
-        <p14:creationId xmlns:p14="http://schemas.microsoft.com/office/powerpoint/2010/main" val="3356716546"/>
+        <p14:creationId xmlns:p14="http://schemas.microsoft.com/office/powerpoint/2010/main" val="1696551952"/>
       </p:ext>
     </p:extLst>
   </p:cSld>
@@ -14412,7 +15086,7 @@
   <p:timing>
     <p:tnLst>
       <p:par>
-        <p:cTn id="1" dur="indefinite" restart="never" nodeType="tmRoot"/>
+        <p:cTn xmlns:p14="http://schemas.microsoft.com/office/powerpoint/2010/main" id="1" dur="indefinite" restart="never" nodeType="tmRoot"/>
       </p:par>
     </p:tnLst>
   </p:timing>
@@ -14446,7 +15120,12 @@
             <p:ph type="title"/>
           </p:nvPr>
         </p:nvSpPr>
-        <p:spPr/>
+        <p:spPr>
+          <a:xfrm>
+            <a:off x="1043490" y="608855"/>
+            <a:ext cx="7024744" cy="1143000"/>
+          </a:xfrm>
+        </p:spPr>
         <p:txBody>
           <a:bodyPr>
             <a:normAutofit fontScale="90000"/>
@@ -14455,7 +15134,7 @@
           <a:p>
             <a:r>
               <a:rPr lang="en-US" sz="4400" dirty="0" smtClean="0"/>
-              <a:t>Solution: Frontend</a:t>
+              <a:t>Results</a:t>
             </a:r>
             <a:r>
               <a:rPr lang="en-US" dirty="0" smtClean="0"/>
@@ -14468,135 +15147,126 @@
           </a:p>
         </p:txBody>
       </p:sp>
-      <p:sp>
-        <p:nvSpPr>
-          <p:cNvPr id="3" name="Content Placeholder 2"/>
-          <p:cNvSpPr>
-            <a:spLocks noGrp="1"/>
-          </p:cNvSpPr>
+      <p:pic>
+        <p:nvPicPr>
+          <p:cNvPr id="6" name="Content Placeholder 5"/>
+          <p:cNvPicPr>
+            <a:picLocks noGrp="1" noChangeAspect="1"/>
+          </p:cNvPicPr>
           <p:nvPr>
             <p:ph idx="1"/>
           </p:nvPr>
-        </p:nvSpPr>
+        </p:nvPicPr>
+        <p:blipFill rotWithShape="1">
+          <a:blip r:embed="rId3" cstate="email">
+            <a:extLst>
+              <a:ext uri="{28A0092B-C50C-407E-A947-70E740481C1C}">
+                <a14:useLocalDpi xmlns:a14="http://schemas.microsoft.com/office/drawing/2010/main" val="0"/>
+              </a:ext>
+            </a:extLst>
+          </a:blip>
+          <a:srcRect t="6181" b="11753"/>
+          <a:stretch/>
+        </p:blipFill>
         <p:spPr>
           <a:xfrm>
-            <a:off x="1043492" y="1796826"/>
-            <a:ext cx="7024742" cy="4269152"/>
+            <a:off x="1043490" y="1617662"/>
+            <a:ext cx="3095086" cy="2286000"/>
           </a:xfrm>
         </p:spPr>
-        <p:txBody>
-          <a:bodyPr>
-            <a:normAutofit/>
-          </a:bodyPr>
-          <a:lstStyle/>
-          <a:p>
-            <a:pPr marL="68580" indent="0">
-              <a:buNone/>
-            </a:pPr>
-            <a:r>
-              <a:rPr lang="en-US" dirty="0" smtClean="0"/>
-              <a:t>Built 3 client-side applications to test optimal caching strategy for various size models:</a:t>
-            </a:r>
-          </a:p>
-          <a:p>
-            <a:pPr marL="68580" indent="0">
-              <a:buNone/>
-            </a:pPr>
-            <a:endParaRPr lang="en-US" dirty="0" smtClean="0"/>
-          </a:p>
-          <a:p>
-            <a:pPr marL="68580" indent="0">
-              <a:buNone/>
-            </a:pPr>
-            <a:r>
-              <a:rPr lang="en-US" dirty="0" smtClean="0"/>
-              <a:t>   Loading documents (e.g. Google Docs)</a:t>
-            </a:r>
-          </a:p>
-          <a:p>
-            <a:pPr marL="365760" lvl="1" indent="0">
-              <a:buNone/>
-            </a:pPr>
-            <a:r>
-              <a:rPr lang="en-US" sz="1400" dirty="0"/>
-              <a:t> </a:t>
-            </a:r>
-            <a:r>
-              <a:rPr lang="en-US" sz="1400" dirty="0" smtClean="0"/>
-              <a:t>      </a:t>
-            </a:r>
-            <a:r>
-              <a:rPr lang="en-US" sz="1600" b="1" dirty="0" smtClean="0"/>
-              <a:t>Large</a:t>
-            </a:r>
-            <a:r>
-              <a:rPr lang="en-US" sz="1600" dirty="0" smtClean="0"/>
-              <a:t>-size model</a:t>
-            </a:r>
-          </a:p>
-          <a:p>
-            <a:pPr marL="365760" lvl="1" indent="0">
-              <a:buNone/>
-            </a:pPr>
-            <a:r>
-              <a:rPr lang="en-US" dirty="0" smtClean="0"/>
-              <a:t>Loading emails (e.g. Gmail) </a:t>
-            </a:r>
-          </a:p>
-          <a:p>
-            <a:pPr marL="365760" lvl="1" indent="0">
-              <a:buNone/>
-            </a:pPr>
-            <a:r>
-              <a:rPr lang="en-US" dirty="0" smtClean="0"/>
-              <a:t>    </a:t>
-            </a:r>
-            <a:r>
-              <a:rPr lang="en-US" b="1" dirty="0" smtClean="0"/>
-              <a:t> </a:t>
-            </a:r>
-            <a:r>
-              <a:rPr lang="en-US" sz="1600" b="1" dirty="0" smtClean="0"/>
-              <a:t>Medium</a:t>
-            </a:r>
-            <a:r>
-              <a:rPr lang="en-US" sz="1600" dirty="0" smtClean="0"/>
-              <a:t>-size model</a:t>
-            </a:r>
-          </a:p>
-          <a:p>
-            <a:pPr marL="365760" lvl="1" indent="0">
-              <a:buNone/>
-            </a:pPr>
-            <a:r>
-              <a:rPr lang="en-US" dirty="0" smtClean="0"/>
-              <a:t>Loading notes (e.g. List-it) </a:t>
-            </a:r>
-          </a:p>
-          <a:p>
-            <a:pPr marL="365760" lvl="1" indent="0">
-              <a:buNone/>
-            </a:pPr>
-            <a:r>
-              <a:rPr lang="en-US" dirty="0" smtClean="0"/>
-              <a:t>     </a:t>
-            </a:r>
-            <a:r>
-              <a:rPr lang="en-US" sz="1600" b="1" dirty="0" smtClean="0"/>
-              <a:t>Small</a:t>
-            </a:r>
-            <a:r>
-              <a:rPr lang="en-US" sz="1600" dirty="0" smtClean="0"/>
-              <a:t>-size model</a:t>
-            </a:r>
-            <a:endParaRPr lang="en-US" dirty="0"/>
-          </a:p>
-        </p:txBody>
-      </p:sp>
+      </p:pic>
+      <p:pic>
+        <p:nvPicPr>
+          <p:cNvPr id="7" name="Picture 6"/>
+          <p:cNvPicPr>
+            <a:picLocks noChangeAspect="1"/>
+          </p:cNvPicPr>
+          <p:nvPr/>
+        </p:nvPicPr>
+        <p:blipFill>
+          <a:blip r:embed="rId4" cstate="email">
+            <a:extLst>
+              <a:ext uri="{28A0092B-C50C-407E-A947-70E740481C1C}">
+                <a14:useLocalDpi xmlns:a14="http://schemas.microsoft.com/office/drawing/2010/main" val="0"/>
+              </a:ext>
+            </a:extLst>
+          </a:blip>
+          <a:stretch>
+            <a:fillRect/>
+          </a:stretch>
+        </p:blipFill>
+        <p:spPr>
+          <a:xfrm>
+            <a:off x="4625622" y="1434064"/>
+            <a:ext cx="3115028" cy="2803525"/>
+          </a:xfrm>
+          <a:prstGeom prst="rect">
+            <a:avLst/>
+          </a:prstGeom>
+        </p:spPr>
+      </p:pic>
+      <p:pic>
+        <p:nvPicPr>
+          <p:cNvPr id="8" name="Picture 7"/>
+          <p:cNvPicPr>
+            <a:picLocks noChangeAspect="1"/>
+          </p:cNvPicPr>
+          <p:nvPr/>
+        </p:nvPicPr>
+        <p:blipFill rotWithShape="1">
+          <a:blip r:embed="rId5" cstate="email">
+            <a:extLst>
+              <a:ext uri="{28A0092B-C50C-407E-A947-70E740481C1C}">
+                <a14:useLocalDpi xmlns:a14="http://schemas.microsoft.com/office/drawing/2010/main" val="0"/>
+              </a:ext>
+            </a:extLst>
+          </a:blip>
+          <a:srcRect t="4813" b="9646"/>
+          <a:stretch/>
+        </p:blipFill>
+        <p:spPr>
+          <a:xfrm>
+            <a:off x="1043490" y="3903662"/>
+            <a:ext cx="3095087" cy="2382837"/>
+          </a:xfrm>
+          <a:prstGeom prst="rect">
+            <a:avLst/>
+          </a:prstGeom>
+        </p:spPr>
+      </p:pic>
+      <p:pic>
+        <p:nvPicPr>
+          <p:cNvPr id="9" name="Picture 8"/>
+          <p:cNvPicPr>
+            <a:picLocks noChangeAspect="1"/>
+          </p:cNvPicPr>
+          <p:nvPr/>
+        </p:nvPicPr>
+        <p:blipFill rotWithShape="1">
+          <a:blip r:embed="rId6" cstate="email">
+            <a:extLst>
+              <a:ext uri="{28A0092B-C50C-407E-A947-70E740481C1C}">
+                <a14:useLocalDpi xmlns:a14="http://schemas.microsoft.com/office/drawing/2010/main" val="0"/>
+              </a:ext>
+            </a:extLst>
+          </a:blip>
+          <a:srcRect t="5056" b="11770"/>
+          <a:stretch/>
+        </p:blipFill>
+        <p:spPr>
+          <a:xfrm>
+            <a:off x="4710288" y="3903661"/>
+            <a:ext cx="3183216" cy="2382838"/>
+          </a:xfrm>
+          <a:prstGeom prst="rect">
+            <a:avLst/>
+          </a:prstGeom>
+        </p:spPr>
+      </p:pic>
     </p:spTree>
     <p:extLst>
       <p:ext uri="{BB962C8B-B14F-4D97-AF65-F5344CB8AC3E}">
-        <p14:creationId xmlns:p14="http://schemas.microsoft.com/office/powerpoint/2010/main" val="1696551952"/>
+        <p14:creationId xmlns:p14="http://schemas.microsoft.com/office/powerpoint/2010/main" val="3193948367"/>
       </p:ext>
     </p:extLst>
   </p:cSld>
@@ -14606,7 +15276,7 @@
   <p:timing>
     <p:tnLst>
       <p:par>
-        <p:cTn id="1" dur="indefinite" restart="never" nodeType="tmRoot"/>
+        <p:cTn xmlns:p14="http://schemas.microsoft.com/office/powerpoint/2010/main" id="1" dur="indefinite" restart="never" nodeType="tmRoot"/>
       </p:par>
     </p:tnLst>
   </p:timing>
@@ -14648,191 +15318,6 @@
           <a:lstStyle/>
           <a:p>
             <a:r>
-              <a:rPr lang="en-US" sz="4400" dirty="0" smtClean="0"/>
-              <a:t>Results</a:t>
-            </a:r>
-            <a:r>
-              <a:rPr lang="en-US" dirty="0" smtClean="0"/>
-              <a:t/>
-            </a:r>
-            <a:br>
-              <a:rPr lang="en-US" dirty="0" smtClean="0"/>
-            </a:br>
-            <a:endParaRPr lang="en-US" dirty="0"/>
-          </a:p>
-        </p:txBody>
-      </p:sp>
-      <p:pic>
-        <p:nvPicPr>
-          <p:cNvPr id="6" name="Content Placeholder 5"/>
-          <p:cNvPicPr>
-            <a:picLocks noGrp="1" noChangeAspect="1"/>
-          </p:cNvPicPr>
-          <p:nvPr>
-            <p:ph idx="1"/>
-          </p:nvPr>
-        </p:nvPicPr>
-        <p:blipFill rotWithShape="1">
-          <a:blip r:embed="rId2" cstate="email">
-            <a:extLst>
-              <a:ext uri="{28A0092B-C50C-407E-A947-70E740481C1C}">
-                <a14:useLocalDpi xmlns:a14="http://schemas.microsoft.com/office/drawing/2010/main" val="0"/>
-              </a:ext>
-            </a:extLst>
-          </a:blip>
-          <a:srcRect t="6181" b="11753"/>
-          <a:stretch/>
-        </p:blipFill>
-        <p:spPr>
-          <a:xfrm>
-            <a:off x="1043490" y="1617662"/>
-            <a:ext cx="3095086" cy="2286000"/>
-          </a:xfrm>
-        </p:spPr>
-      </p:pic>
-      <p:pic>
-        <p:nvPicPr>
-          <p:cNvPr id="7" name="Picture 6"/>
-          <p:cNvPicPr>
-            <a:picLocks noChangeAspect="1"/>
-          </p:cNvPicPr>
-          <p:nvPr/>
-        </p:nvPicPr>
-        <p:blipFill>
-          <a:blip r:embed="rId3" cstate="email">
-            <a:extLst>
-              <a:ext uri="{28A0092B-C50C-407E-A947-70E740481C1C}">
-                <a14:useLocalDpi xmlns:a14="http://schemas.microsoft.com/office/drawing/2010/main" val="0"/>
-              </a:ext>
-            </a:extLst>
-          </a:blip>
-          <a:stretch>
-            <a:fillRect/>
-          </a:stretch>
-        </p:blipFill>
-        <p:spPr>
-          <a:xfrm>
-            <a:off x="4625622" y="1434064"/>
-            <a:ext cx="3115028" cy="2803525"/>
-          </a:xfrm>
-          <a:prstGeom prst="rect">
-            <a:avLst/>
-          </a:prstGeom>
-        </p:spPr>
-      </p:pic>
-      <p:pic>
-        <p:nvPicPr>
-          <p:cNvPr id="8" name="Picture 7"/>
-          <p:cNvPicPr>
-            <a:picLocks noChangeAspect="1"/>
-          </p:cNvPicPr>
-          <p:nvPr/>
-        </p:nvPicPr>
-        <p:blipFill rotWithShape="1">
-          <a:blip r:embed="rId4" cstate="email">
-            <a:extLst>
-              <a:ext uri="{28A0092B-C50C-407E-A947-70E740481C1C}">
-                <a14:useLocalDpi xmlns:a14="http://schemas.microsoft.com/office/drawing/2010/main" val="0"/>
-              </a:ext>
-            </a:extLst>
-          </a:blip>
-          <a:srcRect t="4813" b="9646"/>
-          <a:stretch/>
-        </p:blipFill>
-        <p:spPr>
-          <a:xfrm>
-            <a:off x="1043490" y="3903662"/>
-            <a:ext cx="3095087" cy="2382837"/>
-          </a:xfrm>
-          <a:prstGeom prst="rect">
-            <a:avLst/>
-          </a:prstGeom>
-        </p:spPr>
-      </p:pic>
-      <p:pic>
-        <p:nvPicPr>
-          <p:cNvPr id="9" name="Picture 8"/>
-          <p:cNvPicPr>
-            <a:picLocks noChangeAspect="1"/>
-          </p:cNvPicPr>
-          <p:nvPr/>
-        </p:nvPicPr>
-        <p:blipFill rotWithShape="1">
-          <a:blip r:embed="rId5" cstate="email">
-            <a:extLst>
-              <a:ext uri="{28A0092B-C50C-407E-A947-70E740481C1C}">
-                <a14:useLocalDpi xmlns:a14="http://schemas.microsoft.com/office/drawing/2010/main" val="0"/>
-              </a:ext>
-            </a:extLst>
-          </a:blip>
-          <a:srcRect t="5056" b="11770"/>
-          <a:stretch/>
-        </p:blipFill>
-        <p:spPr>
-          <a:xfrm>
-            <a:off x="4710288" y="3903661"/>
-            <a:ext cx="3183216" cy="2382838"/>
-          </a:xfrm>
-          <a:prstGeom prst="rect">
-            <a:avLst/>
-          </a:prstGeom>
-        </p:spPr>
-      </p:pic>
-    </p:spTree>
-    <p:extLst>
-      <p:ext uri="{BB962C8B-B14F-4D97-AF65-F5344CB8AC3E}">
-        <p14:creationId xmlns:p14="http://schemas.microsoft.com/office/powerpoint/2010/main" val="3193948367"/>
-      </p:ext>
-    </p:extLst>
-  </p:cSld>
-  <p:clrMapOvr>
-    <a:masterClrMapping/>
-  </p:clrMapOvr>
-  <p:timing>
-    <p:tnLst>
-      <p:par>
-        <p:cTn id="1" dur="indefinite" restart="never" nodeType="tmRoot"/>
-      </p:par>
-    </p:tnLst>
-  </p:timing>
-</p:sld>
-</file>
-
-<file path=ppt/slides/slide8.xml><?xml version="1.0" encoding="utf-8"?>
-<p:sld xmlns:a="http://schemas.openxmlformats.org/drawingml/2006/main" xmlns:r="http://schemas.openxmlformats.org/officeDocument/2006/relationships" xmlns:p="http://schemas.openxmlformats.org/presentationml/2006/main">
-  <p:cSld>
-    <p:spTree>
-      <p:nvGrpSpPr>
-        <p:cNvPr id="1" name=""/>
-        <p:cNvGrpSpPr/>
-        <p:nvPr/>
-      </p:nvGrpSpPr>
-      <p:grpSpPr>
-        <a:xfrm>
-          <a:off x="0" y="0"/>
-          <a:ext cx="0" cy="0"/>
-          <a:chOff x="0" y="0"/>
-          <a:chExt cx="0" cy="0"/>
-        </a:xfrm>
-      </p:grpSpPr>
-      <p:sp>
-        <p:nvSpPr>
-          <p:cNvPr id="2" name="Title 1"/>
-          <p:cNvSpPr>
-            <a:spLocks noGrp="1"/>
-          </p:cNvSpPr>
-          <p:nvPr>
-            <p:ph type="title"/>
-          </p:nvPr>
-        </p:nvSpPr>
-        <p:spPr/>
-        <p:txBody>
-          <a:bodyPr>
-            <a:normAutofit fontScale="90000"/>
-          </a:bodyPr>
-          <a:lstStyle/>
-          <a:p>
-            <a:r>
               <a:rPr lang="en-US" dirty="0" smtClean="0"/>
               <a:t>Summary</a:t>
             </a:r>
@@ -14853,16 +15338,25 @@
             <p:ph idx="1"/>
           </p:nvPr>
         </p:nvSpPr>
-        <p:spPr/>
+        <p:spPr>
+          <a:xfrm>
+            <a:off x="1043492" y="2112896"/>
+            <a:ext cx="7024742" cy="3703312"/>
+          </a:xfrm>
+        </p:spPr>
         <p:txBody>
           <a:bodyPr>
-            <a:normAutofit/>
+            <a:normAutofit fontScale="92500" lnSpcReduction="10000"/>
           </a:bodyPr>
           <a:lstStyle/>
           <a:p>
             <a:r>
               <a:rPr lang="en-US" dirty="0" smtClean="0"/>
-              <a:t>Loading from local cache is significantly faster than loading from server (obvious)</a:t>
+              <a:t>Loading from local cache is significantly faster than loading from server (obvious</a:t>
+            </a:r>
+            <a:r>
+              <a:rPr lang="en-US" dirty="0" smtClean="0"/>
+              <a:t>)</a:t>
             </a:r>
           </a:p>
           <a:p>
@@ -14874,31 +15368,88 @@
           <a:p>
             <a:r>
               <a:rPr lang="en-US" dirty="0" smtClean="0"/>
+              <a:t>Loading data as </a:t>
+            </a:r>
+            <a:r>
+              <a:rPr lang="en-US" b="1" dirty="0" smtClean="0"/>
+              <a:t>individual models</a:t>
+            </a:r>
+            <a:r>
+              <a:rPr lang="en-US" dirty="0" smtClean="0"/>
+              <a:t> is slow for both local and server storage</a:t>
+            </a:r>
+            <a:endParaRPr lang="en-US" dirty="0" smtClean="0"/>
+          </a:p>
+          <a:p>
+            <a:pPr marL="68580" indent="0">
+              <a:buNone/>
+            </a:pPr>
+            <a:endParaRPr lang="en-US" dirty="0" smtClean="0"/>
+          </a:p>
+          <a:p>
+            <a:r>
+              <a:rPr lang="en-US" dirty="0" smtClean="0"/>
               <a:t>Loading from local cache most advantageous when loading models as </a:t>
             </a:r>
             <a:r>
               <a:rPr lang="en-US" b="1" dirty="0" smtClean="0"/>
-              <a:t>collections</a:t>
+              <a:t>c</a:t>
+            </a:r>
+            <a:r>
+              <a:rPr lang="en-US" b="1" dirty="0" smtClean="0"/>
+              <a:t>ollections </a:t>
             </a:r>
             <a:r>
               <a:rPr lang="en-US" dirty="0" smtClean="0"/>
-              <a:t> from local cache for applications with </a:t>
+              <a:t>of </a:t>
             </a:r>
             <a:r>
               <a:rPr lang="en-US" b="1" dirty="0" smtClean="0"/>
-              <a:t>many </a:t>
+              <a:t>medium </a:t>
             </a:r>
             <a:r>
               <a:rPr lang="en-US" dirty="0" smtClean="0"/>
-              <a:t>models of </a:t>
+              <a:t>number (e.g. 50</a:t>
+            </a:r>
+            <a:r>
+              <a:rPr lang="en-US" smtClean="0"/>
+              <a:t>)</a:t>
+            </a:r>
+            <a:r>
+              <a:rPr lang="en-US" b="1" smtClean="0"/>
+              <a:t> </a:t>
+            </a:r>
+            <a:r>
+              <a:rPr lang="en-US" smtClean="0"/>
+              <a:t>of </a:t>
+            </a:r>
+            <a:r>
+              <a:rPr lang="en-US" smtClean="0"/>
+              <a:t>models </a:t>
+            </a:r>
+            <a:r>
+              <a:rPr lang="en-US" dirty="0" smtClean="0"/>
+              <a:t>of </a:t>
             </a:r>
             <a:r>
               <a:rPr lang="en-US" b="1" dirty="0" smtClean="0"/>
-              <a:t>small </a:t>
+              <a:t>large </a:t>
             </a:r>
             <a:r>
               <a:rPr lang="en-US" dirty="0" smtClean="0"/>
-              <a:t>size (e.g. notes application)</a:t>
+              <a:t>size (e.g. </a:t>
+            </a:r>
+            <a:r>
+              <a:rPr lang="en-US" dirty="0" smtClean="0"/>
+              <a:t>docs</a:t>
+            </a:r>
+            <a:r>
+              <a:rPr lang="en-US" dirty="0" smtClean="0"/>
+              <a:t> </a:t>
+            </a:r>
+            <a:r>
+              <a:rPr lang="en-US" dirty="0" smtClean="0"/>
+              <a:t>application)</a:t>
             </a:r>
           </a:p>
           <a:p>
@@ -14922,7 +15473,7 @@
   <p:timing>
     <p:tnLst>
       <p:par>
-        <p:cTn id="1" dur="indefinite" restart="never" nodeType="tmRoot"/>
+        <p:cTn xmlns:p14="http://schemas.microsoft.com/office/powerpoint/2010/main" id="1" dur="indefinite" restart="never" nodeType="tmRoot"/>
       </p:par>
     </p:tnLst>
   </p:timing>
@@ -15213,4 +15764,324 @@
   <a:objectDefaults/>
   <a:extraClrSchemeLst/>
 </a:theme>
+</file>
+
+<file path=ppt/theme/theme2.xml><?xml version="1.0" encoding="utf-8"?>
+<a:theme xmlns:a="http://schemas.openxmlformats.org/drawingml/2006/main" name="Office Theme">
+  <a:themeElements>
+    <a:clrScheme name="Office">
+      <a:dk1>
+        <a:sysClr val="windowText" lastClr="000000"/>
+      </a:dk1>
+      <a:lt1>
+        <a:sysClr val="window" lastClr="FFFFFF"/>
+      </a:lt1>
+      <a:dk2>
+        <a:srgbClr val="1F497D"/>
+      </a:dk2>
+      <a:lt2>
+        <a:srgbClr val="EEECE1"/>
+      </a:lt2>
+      <a:accent1>
+        <a:srgbClr val="4F81BD"/>
+      </a:accent1>
+      <a:accent2>
+        <a:srgbClr val="C0504D"/>
+      </a:accent2>
+      <a:accent3>
+        <a:srgbClr val="9BBB59"/>
+      </a:accent3>
+      <a:accent4>
+        <a:srgbClr val="8064A2"/>
+      </a:accent4>
+      <a:accent5>
+        <a:srgbClr val="4BACC6"/>
+      </a:accent5>
+      <a:accent6>
+        <a:srgbClr val="F79646"/>
+      </a:accent6>
+      <a:hlink>
+        <a:srgbClr val="0000FF"/>
+      </a:hlink>
+      <a:folHlink>
+        <a:srgbClr val="800080"/>
+      </a:folHlink>
+    </a:clrScheme>
+    <a:fontScheme name="Office">
+      <a:majorFont>
+        <a:latin typeface="Calibri"/>
+        <a:ea typeface=""/>
+        <a:cs typeface=""/>
+        <a:font script="Jpan" typeface="ＭＳ Ｐゴシック"/>
+        <a:font script="Hang" typeface="맑은 고딕"/>
+        <a:font script="Hans" typeface="宋体"/>
+        <a:font script="Hant" typeface="新細明體"/>
+        <a:font script="Arab" typeface="Times New Roman"/>
+        <a:font script="Hebr" typeface="Times New Roman"/>
+        <a:font script="Thai" typeface="Angsana New"/>
+        <a:font script="Ethi" typeface="Nyala"/>
+        <a:font script="Beng" typeface="Vrinda"/>
+        <a:font script="Gujr" typeface="Shruti"/>
+        <a:font script="Khmr" typeface="MoolBoran"/>
+        <a:font script="Knda" typeface="Tunga"/>
+        <a:font script="Guru" typeface="Raavi"/>
+        <a:font script="Cans" typeface="Euphemia"/>
+        <a:font script="Cher" typeface="Plantagenet Cherokee"/>
+        <a:font script="Yiii" typeface="Microsoft Yi Baiti"/>
+        <a:font script="Tibt" typeface="Microsoft Himalaya"/>
+        <a:font script="Thaa" typeface="MV Boli"/>
+        <a:font script="Deva" typeface="Mangal"/>
+        <a:font script="Telu" typeface="Gautami"/>
+        <a:font script="Taml" typeface="Latha"/>
+        <a:font script="Syrc" typeface="Estrangelo Edessa"/>
+        <a:font script="Orya" typeface="Kalinga"/>
+        <a:font script="Mlym" typeface="Kartika"/>
+        <a:font script="Laoo" typeface="DokChampa"/>
+        <a:font script="Sinh" typeface="Iskoola Pota"/>
+        <a:font script="Mong" typeface="Mongolian Baiti"/>
+        <a:font script="Viet" typeface="Times New Roman"/>
+        <a:font script="Uigh" typeface="Microsoft Uighur"/>
+        <a:font script="Geor" typeface="Sylfaen"/>
+      </a:majorFont>
+      <a:minorFont>
+        <a:latin typeface="Calibri"/>
+        <a:ea typeface=""/>
+        <a:cs typeface=""/>
+        <a:font script="Jpan" typeface="ＭＳ Ｐゴシック"/>
+        <a:font script="Hang" typeface="맑은 고딕"/>
+        <a:font script="Hans" typeface="宋体"/>
+        <a:font script="Hant" typeface="新細明體"/>
+        <a:font script="Arab" typeface="Arial"/>
+        <a:font script="Hebr" typeface="Arial"/>
+        <a:font script="Thai" typeface="Cordia New"/>
+        <a:font script="Ethi" typeface="Nyala"/>
+        <a:font script="Beng" typeface="Vrinda"/>
+        <a:font script="Gujr" typeface="Shruti"/>
+        <a:font script="Khmr" typeface="DaunPenh"/>
+        <a:font script="Knda" typeface="Tunga"/>
+        <a:font script="Guru" typeface="Raavi"/>
+        <a:font script="Cans" typeface="Euphemia"/>
+        <a:font script="Cher" typeface="Plantagenet Cherokee"/>
+        <a:font script="Yiii" typeface="Microsoft Yi Baiti"/>
+        <a:font script="Tibt" typeface="Microsoft Himalaya"/>
+        <a:font script="Thaa" typeface="MV Boli"/>
+        <a:font script="Deva" typeface="Mangal"/>
+        <a:font script="Telu" typeface="Gautami"/>
+        <a:font script="Taml" typeface="Latha"/>
+        <a:font script="Syrc" typeface="Estrangelo Edessa"/>
+        <a:font script="Orya" typeface="Kalinga"/>
+        <a:font script="Mlym" typeface="Kartika"/>
+        <a:font script="Laoo" typeface="DokChampa"/>
+        <a:font script="Sinh" typeface="Iskoola Pota"/>
+        <a:font script="Mong" typeface="Mongolian Baiti"/>
+        <a:font script="Viet" typeface="Arial"/>
+        <a:font script="Uigh" typeface="Microsoft Uighur"/>
+        <a:font script="Geor" typeface="Sylfaen"/>
+      </a:minorFont>
+    </a:fontScheme>
+    <a:fmtScheme name="Office">
+      <a:fillStyleLst>
+        <a:solidFill>
+          <a:schemeClr val="phClr"/>
+        </a:solidFill>
+        <a:gradFill rotWithShape="1">
+          <a:gsLst>
+            <a:gs pos="0">
+              <a:schemeClr val="phClr">
+                <a:tint val="50000"/>
+                <a:satMod val="300000"/>
+              </a:schemeClr>
+            </a:gs>
+            <a:gs pos="35000">
+              <a:schemeClr val="phClr">
+                <a:tint val="37000"/>
+                <a:satMod val="300000"/>
+              </a:schemeClr>
+            </a:gs>
+            <a:gs pos="100000">
+              <a:schemeClr val="phClr">
+                <a:tint val="15000"/>
+                <a:satMod val="350000"/>
+              </a:schemeClr>
+            </a:gs>
+          </a:gsLst>
+          <a:lin ang="16200000" scaled="1"/>
+        </a:gradFill>
+        <a:gradFill rotWithShape="1">
+          <a:gsLst>
+            <a:gs pos="0">
+              <a:schemeClr val="phClr">
+                <a:tint val="100000"/>
+                <a:shade val="100000"/>
+                <a:satMod val="130000"/>
+              </a:schemeClr>
+            </a:gs>
+            <a:gs pos="100000">
+              <a:schemeClr val="phClr">
+                <a:tint val="50000"/>
+                <a:shade val="100000"/>
+                <a:satMod val="350000"/>
+              </a:schemeClr>
+            </a:gs>
+          </a:gsLst>
+          <a:lin ang="16200000" scaled="0"/>
+        </a:gradFill>
+      </a:fillStyleLst>
+      <a:lnStyleLst>
+        <a:ln w="9525" cap="flat" cmpd="sng" algn="ctr">
+          <a:solidFill>
+            <a:schemeClr val="phClr">
+              <a:shade val="95000"/>
+              <a:satMod val="105000"/>
+            </a:schemeClr>
+          </a:solidFill>
+          <a:prstDash val="solid"/>
+        </a:ln>
+        <a:ln w="25400" cap="flat" cmpd="sng" algn="ctr">
+          <a:solidFill>
+            <a:schemeClr val="phClr"/>
+          </a:solidFill>
+          <a:prstDash val="solid"/>
+        </a:ln>
+        <a:ln w="38100" cap="flat" cmpd="sng" algn="ctr">
+          <a:solidFill>
+            <a:schemeClr val="phClr"/>
+          </a:solidFill>
+          <a:prstDash val="solid"/>
+        </a:ln>
+      </a:lnStyleLst>
+      <a:effectStyleLst>
+        <a:effectStyle>
+          <a:effectLst>
+            <a:outerShdw blurRad="40000" dist="20000" dir="5400000" rotWithShape="0">
+              <a:srgbClr val="000000">
+                <a:alpha val="38000"/>
+              </a:srgbClr>
+            </a:outerShdw>
+          </a:effectLst>
+        </a:effectStyle>
+        <a:effectStyle>
+          <a:effectLst>
+            <a:outerShdw blurRad="40000" dist="23000" dir="5400000" rotWithShape="0">
+              <a:srgbClr val="000000">
+                <a:alpha val="35000"/>
+              </a:srgbClr>
+            </a:outerShdw>
+          </a:effectLst>
+        </a:effectStyle>
+        <a:effectStyle>
+          <a:effectLst>
+            <a:outerShdw blurRad="40000" dist="23000" dir="5400000" rotWithShape="0">
+              <a:srgbClr val="000000">
+                <a:alpha val="35000"/>
+              </a:srgbClr>
+            </a:outerShdw>
+          </a:effectLst>
+          <a:scene3d>
+            <a:camera prst="orthographicFront">
+              <a:rot lat="0" lon="0" rev="0"/>
+            </a:camera>
+            <a:lightRig rig="threePt" dir="t">
+              <a:rot lat="0" lon="0" rev="1200000"/>
+            </a:lightRig>
+          </a:scene3d>
+          <a:sp3d>
+            <a:bevelT w="63500" h="25400"/>
+          </a:sp3d>
+        </a:effectStyle>
+      </a:effectStyleLst>
+      <a:bgFillStyleLst>
+        <a:solidFill>
+          <a:schemeClr val="phClr"/>
+        </a:solidFill>
+        <a:gradFill rotWithShape="1">
+          <a:gsLst>
+            <a:gs pos="0">
+              <a:schemeClr val="phClr">
+                <a:tint val="40000"/>
+                <a:satMod val="350000"/>
+              </a:schemeClr>
+            </a:gs>
+            <a:gs pos="40000">
+              <a:schemeClr val="phClr">
+                <a:tint val="45000"/>
+                <a:shade val="99000"/>
+                <a:satMod val="350000"/>
+              </a:schemeClr>
+            </a:gs>
+            <a:gs pos="100000">
+              <a:schemeClr val="phClr">
+                <a:shade val="20000"/>
+                <a:satMod val="255000"/>
+              </a:schemeClr>
+            </a:gs>
+          </a:gsLst>
+          <a:path path="circle">
+            <a:fillToRect l="50000" t="-80000" r="50000" b="180000"/>
+          </a:path>
+        </a:gradFill>
+        <a:gradFill rotWithShape="1">
+          <a:gsLst>
+            <a:gs pos="0">
+              <a:schemeClr val="phClr">
+                <a:tint val="80000"/>
+                <a:satMod val="300000"/>
+              </a:schemeClr>
+            </a:gs>
+            <a:gs pos="100000">
+              <a:schemeClr val="phClr">
+                <a:shade val="30000"/>
+                <a:satMod val="200000"/>
+              </a:schemeClr>
+            </a:gs>
+          </a:gsLst>
+          <a:path path="circle">
+            <a:fillToRect l="50000" t="50000" r="50000" b="50000"/>
+          </a:path>
+        </a:gradFill>
+      </a:bgFillStyleLst>
+    </a:fmtScheme>
+  </a:themeElements>
+  <a:objectDefaults>
+    <a:spDef>
+      <a:spPr/>
+      <a:bodyPr/>
+      <a:lstStyle/>
+      <a:style>
+        <a:lnRef idx="1">
+          <a:schemeClr val="accent1"/>
+        </a:lnRef>
+        <a:fillRef idx="3">
+          <a:schemeClr val="accent1"/>
+        </a:fillRef>
+        <a:effectRef idx="2">
+          <a:schemeClr val="accent1"/>
+        </a:effectRef>
+        <a:fontRef idx="minor">
+          <a:schemeClr val="lt1"/>
+        </a:fontRef>
+      </a:style>
+    </a:spDef>
+    <a:lnDef>
+      <a:spPr/>
+      <a:bodyPr/>
+      <a:lstStyle/>
+      <a:style>
+        <a:lnRef idx="2">
+          <a:schemeClr val="accent1"/>
+        </a:lnRef>
+        <a:fillRef idx="0">
+          <a:schemeClr val="accent1"/>
+        </a:fillRef>
+        <a:effectRef idx="1">
+          <a:schemeClr val="accent1"/>
+        </a:effectRef>
+        <a:fontRef idx="minor">
+          <a:schemeClr val="tx1"/>
+        </a:fontRef>
+      </a:style>
+    </a:lnDef>
+  </a:objectDefaults>
+  <a:extraClrSchemeLst/>
+</a:theme>
 </file>
--- a/presentation.pptx
+++ b/presentation.pptx
@@ -5,16 +5,18 @@
     <p:sldMasterId id="2147483981" r:id="rId1"/>
   </p:sldMasterIdLst>
   <p:notesMasterIdLst>
-    <p:notesMasterId r:id="rId9"/>
+    <p:notesMasterId r:id="rId11"/>
   </p:notesMasterIdLst>
   <p:sldIdLst>
     <p:sldId id="256" r:id="rId2"/>
     <p:sldId id="257" r:id="rId3"/>
-    <p:sldId id="262" r:id="rId4"/>
-    <p:sldId id="258" r:id="rId5"/>
-    <p:sldId id="259" r:id="rId6"/>
-    <p:sldId id="264" r:id="rId7"/>
-    <p:sldId id="260" r:id="rId8"/>
+    <p:sldId id="266" r:id="rId4"/>
+    <p:sldId id="262" r:id="rId5"/>
+    <p:sldId id="258" r:id="rId6"/>
+    <p:sldId id="265" r:id="rId7"/>
+    <p:sldId id="259" r:id="rId8"/>
+    <p:sldId id="264" r:id="rId9"/>
+    <p:sldId id="260" r:id="rId10"/>
   </p:sldIdLst>
   <p:sldSz cx="9144000" cy="6858000" type="screen4x3"/>
   <p:notesSz cx="6858000" cy="9144000"/>
@@ -548,7 +550,7 @@
           <a:p>
             <a:fld id="{FCCCFF32-6530-5648-BF3F-959AEFF1032D}" type="slidenum">
               <a:rPr lang="en-US" smtClean="0"/>
-              <a:t>6</a:t>
+              <a:t>8</a:t>
             </a:fld>
             <a:endParaRPr lang="en-US"/>
           </a:p>
@@ -14491,22 +14493,13 @@
         </p:nvSpPr>
         <p:spPr/>
         <p:txBody>
-          <a:bodyPr>
-            <a:normAutofit fontScale="90000"/>
-          </a:bodyPr>
+          <a:bodyPr/>
           <a:lstStyle/>
           <a:p>
             <a:r>
-              <a:rPr lang="en-US" sz="4400" dirty="0" smtClean="0"/>
-              <a:t>Approach</a:t>
-            </a:r>
-            <a:r>
-              <a:rPr lang="en-US" dirty="0" smtClean="0"/>
-              <a:t/>
-            </a:r>
-            <a:br>
-              <a:rPr lang="en-US" dirty="0" smtClean="0"/>
-            </a:br>
+              <a:rPr lang="en-US" dirty="0" err="1" smtClean="0"/>
+              <a:t>Backbone.JS</a:t>
+            </a:r>
             <a:endParaRPr lang="en-US" dirty="0"/>
           </a:p>
         </p:txBody>
@@ -14521,132 +14514,48 @@
             <p:ph idx="1"/>
           </p:nvPr>
         </p:nvSpPr>
-        <p:spPr>
-          <a:xfrm>
-            <a:off x="1043490" y="1958883"/>
-            <a:ext cx="7024744" cy="4191590"/>
-          </a:xfrm>
-        </p:spPr>
+        <p:spPr/>
         <p:txBody>
-          <a:bodyPr>
-            <a:normAutofit fontScale="92500" lnSpcReduction="10000"/>
-          </a:bodyPr>
+          <a:bodyPr/>
           <a:lstStyle/>
           <a:p>
             <a:r>
-              <a:rPr lang="en-US" dirty="0" smtClean="0"/>
-              <a:t>Develop our own API to automate local caching strategies using </a:t>
-            </a:r>
-            <a:r>
-              <a:rPr lang="en-US" dirty="0" err="1" smtClean="0"/>
-              <a:t>Backbone.js</a:t>
-            </a:r>
-            <a:r>
-              <a:rPr lang="en-US" dirty="0" smtClean="0"/>
-              <a:t> </a:t>
-            </a:r>
-          </a:p>
-          <a:p>
-            <a:pPr marL="68580" indent="0">
+              <a:rPr lang="en-US" dirty="0"/>
+              <a:t>Backbone – a </a:t>
+            </a:r>
+            <a:r>
+              <a:rPr lang="en-US" b="1" dirty="0"/>
+              <a:t>widely used</a:t>
+            </a:r>
+            <a:r>
+              <a:rPr lang="en-US" dirty="0"/>
+              <a:t> free &amp; open-source MVC web application framework.</a:t>
+            </a:r>
+          </a:p>
+          <a:p>
+            <a:pPr marL="365760" lvl="1" indent="0">
               <a:buNone/>
             </a:pPr>
             <a:endParaRPr lang="en-US" dirty="0" smtClean="0"/>
           </a:p>
           <a:p>
-            <a:pPr marL="822960" lvl="1" indent="-457200">
-              <a:buFont typeface="Wingdings" charset="2"/>
-              <a:buAutoNum type="arabicPlain"/>
-            </a:pPr>
-            <a:r>
-              <a:rPr lang="en-US" dirty="0"/>
-              <a:t>Store one key per </a:t>
-            </a:r>
-            <a:r>
-              <a:rPr lang="en-US" b="1" dirty="0"/>
-              <a:t>model</a:t>
-            </a:r>
-          </a:p>
-          <a:p>
-            <a:pPr marL="822960" lvl="1" indent="-457200">
-              <a:buFont typeface="Wingdings" charset="2"/>
-              <a:buAutoNum type="arabicPlain"/>
-            </a:pPr>
             <a:r>
               <a:rPr lang="en-US" dirty="0" smtClean="0"/>
-              <a:t>Store </a:t>
-            </a:r>
-            <a:r>
-              <a:rPr lang="en-US" dirty="0"/>
-              <a:t>one key per </a:t>
-            </a:r>
-            <a:r>
-              <a:rPr lang="en-US" b="1" dirty="0"/>
-              <a:t>collection</a:t>
-            </a:r>
-          </a:p>
-          <a:p>
-            <a:pPr marL="68580" indent="0">
-              <a:buNone/>
-            </a:pPr>
-            <a:endParaRPr lang="en-US" dirty="0" smtClean="0"/>
-          </a:p>
-          <a:p>
+              <a:t>Offers Models, Collections, Views, and Events.</a:t>
+            </a:r>
+          </a:p>
+          <a:p>
+            <a:endParaRPr lang="en-US" dirty="0"/>
+          </a:p>
+          <a:p>
+            <a:r>
+              <a:rPr lang="en-US" dirty="0" err="1" smtClean="0"/>
+              <a:t>Trello</a:t>
+            </a:r>
             <a:r>
               <a:rPr lang="en-US" dirty="0" smtClean="0"/>
-              <a:t>Create </a:t>
-            </a:r>
-            <a:r>
-              <a:rPr lang="en-US" dirty="0" smtClean="0"/>
-              <a:t>test </a:t>
-            </a:r>
-            <a:r>
-              <a:rPr lang="en-US" dirty="0" smtClean="0"/>
-              <a:t>applications to </a:t>
-            </a:r>
-            <a:r>
-              <a:rPr lang="en-US" dirty="0" smtClean="0"/>
-              <a:t>evaluate</a:t>
-            </a:r>
-            <a:r>
-              <a:rPr lang="en-US" dirty="0" smtClean="0"/>
-              <a:t> </a:t>
-            </a:r>
-            <a:r>
-              <a:rPr lang="en-US" dirty="0" smtClean="0"/>
-              <a:t>load time </a:t>
-            </a:r>
-            <a:r>
-              <a:rPr lang="en-US" dirty="0" smtClean="0"/>
-              <a:t>performance under different conditions</a:t>
-            </a:r>
-          </a:p>
-          <a:p>
-            <a:pPr marL="68580" indent="0">
-              <a:buNone/>
-            </a:pPr>
-            <a:endParaRPr lang="en-US" dirty="0" smtClean="0"/>
-          </a:p>
-          <a:p>
-            <a:pPr lvl="1"/>
-            <a:r>
-              <a:rPr lang="en-US" dirty="0" smtClean="0"/>
-              <a:t>from local store vs. server</a:t>
-            </a:r>
-          </a:p>
-          <a:p>
-            <a:pPr lvl="1"/>
-            <a:r>
-              <a:rPr lang="en-US" dirty="0" smtClean="0"/>
-              <a:t>Small size vs. big size models</a:t>
-            </a:r>
-          </a:p>
-          <a:p>
-            <a:pPr lvl="1"/>
-            <a:r>
-              <a:rPr lang="en-US" dirty="0" smtClean="0"/>
-              <a:t>Many models vs. few models</a:t>
-            </a:r>
-            <a:endParaRPr lang="en-US" dirty="0"/>
+              <a:t>, </a:t>
+            </a:r>
           </a:p>
           <a:p>
             <a:pPr marL="68580" indent="0">
@@ -14659,20 +14568,13 @@
     </p:spTree>
     <p:extLst>
       <p:ext uri="{BB962C8B-B14F-4D97-AF65-F5344CB8AC3E}">
-        <p14:creationId xmlns:p14="http://schemas.microsoft.com/office/powerpoint/2010/main" val="3815157834"/>
+        <p14:creationId xmlns:p14="http://schemas.microsoft.com/office/powerpoint/2010/main" val="845942908"/>
       </p:ext>
     </p:extLst>
   </p:cSld>
   <p:clrMapOvr>
     <a:masterClrMapping/>
   </p:clrMapOvr>
-  <p:timing>
-    <p:tnLst>
-      <p:par>
-        <p:cTn xmlns:p14="http://schemas.microsoft.com/office/powerpoint/2010/main" id="1" dur="indefinite" restart="never" nodeType="tmRoot"/>
-      </p:par>
-    </p:tnLst>
-  </p:timing>
 </p:sld>
 </file>
 
@@ -14712,7 +14614,7 @@
           <a:p>
             <a:r>
               <a:rPr lang="en-US" sz="4400" dirty="0" smtClean="0"/>
-              <a:t>Solution: Backend</a:t>
+              <a:t>Approach</a:t>
             </a:r>
             <a:r>
               <a:rPr lang="en-US" dirty="0" smtClean="0"/>
@@ -14737,17 +14639,19 @@
         </p:nvSpPr>
         <p:spPr>
           <a:xfrm>
-            <a:off x="1043490" y="2026496"/>
-            <a:ext cx="7239143" cy="3944912"/>
+            <a:off x="1043490" y="1958883"/>
+            <a:ext cx="7024744" cy="4191590"/>
           </a:xfrm>
         </p:spPr>
         <p:txBody>
-          <a:bodyPr/>
+          <a:bodyPr>
+            <a:normAutofit fontScale="92500" lnSpcReduction="10000"/>
+          </a:bodyPr>
           <a:lstStyle/>
           <a:p>
             <a:r>
               <a:rPr lang="en-US" dirty="0" smtClean="0"/>
-              <a:t>Use </a:t>
+              <a:t>Develop our own API to automate local caching strategies using </a:t>
             </a:r>
             <a:r>
               <a:rPr lang="en-US" dirty="0" err="1" smtClean="0"/>
@@ -14755,20 +14659,7 @@
             </a:r>
             <a:r>
               <a:rPr lang="en-US" dirty="0" smtClean="0"/>
-              <a:t> to implement local caching</a:t>
-            </a:r>
-          </a:p>
-          <a:p>
-            <a:pPr marL="365760" lvl="1" indent="0">
-              <a:buNone/>
-            </a:pPr>
-            <a:r>
-              <a:rPr lang="en-US" dirty="0" smtClean="0"/>
-              <a:t>Event </a:t>
-            </a:r>
-            <a:r>
-              <a:rPr lang="en-US" dirty="0" smtClean="0"/>
-              <a:t>listeners per model and collection</a:t>
+              <a:t> </a:t>
             </a:r>
           </a:p>
           <a:p>
@@ -14778,14 +14669,33 @@
             <a:endParaRPr lang="en-US" dirty="0" smtClean="0"/>
           </a:p>
           <a:p>
+            <a:pPr marL="822960" lvl="1" indent="-457200">
+              <a:buFont typeface="Wingdings" charset="2"/>
+              <a:buAutoNum type="arabicPlain"/>
+            </a:pPr>
             <a:r>
               <a:rPr lang="en-US" dirty="0" smtClean="0"/>
-              <a:t>Employ two caching </a:t>
-            </a:r>
+              <a:t>Associate one key per </a:t>
+            </a:r>
+            <a:r>
+              <a:rPr lang="en-US" b="1" dirty="0" smtClean="0"/>
+              <a:t>collection</a:t>
+            </a:r>
+          </a:p>
+          <a:p>
+            <a:pPr marL="822960" lvl="1" indent="-457200">
+              <a:buFont typeface="Wingdings" charset="2"/>
+              <a:buAutoNum type="arabicPlain"/>
+            </a:pPr>
             <a:r>
               <a:rPr lang="en-US" dirty="0" smtClean="0"/>
-              <a:t>strategies</a:t>
-            </a:r>
+              <a:t>Associate one key per </a:t>
+            </a:r>
+            <a:r>
+              <a:rPr lang="en-US" b="1" dirty="0" smtClean="0"/>
+              <a:t>model in a collection</a:t>
+            </a:r>
+            <a:endParaRPr lang="en-US" b="1" dirty="0" smtClean="0"/>
           </a:p>
           <a:p>
             <a:pPr marL="68580" indent="0">
@@ -14794,51 +14704,78 @@
             <a:endParaRPr lang="en-US" dirty="0" smtClean="0"/>
           </a:p>
           <a:p>
-            <a:pPr marL="365760" lvl="1" indent="0">
+            <a:r>
+              <a:rPr lang="en-US" dirty="0" smtClean="0"/>
+              <a:t>Create </a:t>
+            </a:r>
+            <a:r>
+              <a:rPr lang="en-US" dirty="0" smtClean="0"/>
+              <a:t>test </a:t>
+            </a:r>
+            <a:r>
+              <a:rPr lang="en-US" dirty="0" smtClean="0"/>
+              <a:t>applications to </a:t>
+            </a:r>
+            <a:r>
+              <a:rPr lang="en-US" dirty="0" smtClean="0"/>
+              <a:t>evaluate</a:t>
+            </a:r>
+            <a:r>
+              <a:rPr lang="en-US" dirty="0" smtClean="0"/>
+              <a:t> </a:t>
+            </a:r>
+            <a:r>
+              <a:rPr lang="en-US" dirty="0" smtClean="0"/>
+              <a:t>load time </a:t>
+            </a:r>
+            <a:r>
+              <a:rPr lang="en-US" dirty="0" smtClean="0"/>
+              <a:t>performance under different conditions</a:t>
+            </a:r>
+          </a:p>
+          <a:p>
+            <a:pPr marL="68580" indent="0">
               <a:buNone/>
             </a:pPr>
+            <a:endParaRPr lang="en-US" dirty="0" smtClean="0"/>
+          </a:p>
+          <a:p>
+            <a:pPr lvl="1"/>
             <a:r>
               <a:rPr lang="en-US" dirty="0" smtClean="0"/>
-              <a:t>Store </a:t>
-            </a:r>
+              <a:t>Local vs. Remote</a:t>
+            </a:r>
+          </a:p>
+          <a:p>
+            <a:pPr lvl="1"/>
             <a:r>
               <a:rPr lang="en-US" dirty="0" smtClean="0"/>
-              <a:t>one key per </a:t>
-            </a:r>
-            <a:r>
-              <a:rPr lang="en-US" b="1" dirty="0" smtClean="0"/>
-              <a:t>model</a:t>
-            </a:r>
-          </a:p>
-          <a:p>
-            <a:pPr marL="365760" lvl="1" indent="0">
-              <a:buNone/>
-            </a:pPr>
+              <a:t>Small vs. Large model </a:t>
+            </a:r>
+            <a:r>
+              <a:rPr lang="en-US" dirty="0"/>
+              <a:t>s</a:t>
+            </a:r>
             <a:r>
               <a:rPr lang="en-US" dirty="0" smtClean="0"/>
-              <a:t>Store </a:t>
-            </a:r>
+              <a:t>ize</a:t>
+            </a:r>
+            <a:endParaRPr lang="en-US" dirty="0" smtClean="0"/>
+          </a:p>
+          <a:p>
+            <a:pPr lvl="1"/>
             <a:r>
               <a:rPr lang="en-US" dirty="0" smtClean="0"/>
-              <a:t>one key per </a:t>
-            </a:r>
-            <a:r>
-              <a:rPr lang="en-US" b="1" dirty="0" smtClean="0"/>
-              <a:t>collection</a:t>
-            </a:r>
-          </a:p>
-          <a:p>
+              <a:t>Few vs. Many models</a:t>
+            </a:r>
             <a:endParaRPr lang="en-US" dirty="0" smtClean="0"/>
-          </a:p>
-          <a:p>
-            <a:endParaRPr lang="en-US" dirty="0"/>
           </a:p>
         </p:txBody>
       </p:sp>
     </p:spTree>
     <p:extLst>
       <p:ext uri="{BB962C8B-B14F-4D97-AF65-F5344CB8AC3E}">
-        <p14:creationId xmlns:p14="http://schemas.microsoft.com/office/powerpoint/2010/main" val="3356716546"/>
+        <p14:creationId xmlns:p14="http://schemas.microsoft.com/office/powerpoint/2010/main" val="3815157834"/>
       </p:ext>
     </p:extLst>
   </p:cSld>
@@ -14882,6 +14819,493 @@
             <p:ph type="title"/>
           </p:nvPr>
         </p:nvSpPr>
+        <p:spPr>
+          <a:xfrm>
+            <a:off x="1043490" y="773664"/>
+            <a:ext cx="7024744" cy="1143000"/>
+          </a:xfrm>
+        </p:spPr>
+        <p:txBody>
+          <a:bodyPr>
+            <a:normAutofit fontScale="90000"/>
+          </a:bodyPr>
+          <a:lstStyle/>
+          <a:p>
+            <a:r>
+              <a:rPr lang="en-US" sz="4400" dirty="0" smtClean="0"/>
+              <a:t>Solution: </a:t>
+            </a:r>
+            <a:br>
+              <a:rPr lang="en-US" sz="4400" dirty="0" smtClean="0"/>
+            </a:br>
+            <a:r>
+              <a:rPr lang="en-US" sz="4400" dirty="0" smtClean="0"/>
+              <a:t>Augment Backbone</a:t>
+            </a:r>
+            <a:endParaRPr lang="en-US" dirty="0"/>
+          </a:p>
+        </p:txBody>
+      </p:sp>
+      <p:sp>
+        <p:nvSpPr>
+          <p:cNvPr id="3" name="Content Placeholder 2"/>
+          <p:cNvSpPr>
+            <a:spLocks noGrp="1"/>
+          </p:cNvSpPr>
+          <p:nvPr>
+            <p:ph idx="1"/>
+          </p:nvPr>
+        </p:nvSpPr>
+        <p:spPr>
+          <a:xfrm>
+            <a:off x="1043490" y="2026496"/>
+            <a:ext cx="7239143" cy="3944912"/>
+          </a:xfrm>
+        </p:spPr>
+        <p:txBody>
+          <a:bodyPr>
+            <a:normAutofit/>
+          </a:bodyPr>
+          <a:lstStyle/>
+          <a:p>
+            <a:endParaRPr lang="en-US" dirty="0" smtClean="0"/>
+          </a:p>
+          <a:p>
+            <a:endParaRPr lang="en-US" dirty="0" smtClean="0"/>
+          </a:p>
+          <a:p>
+            <a:endParaRPr lang="en-US" dirty="0"/>
+          </a:p>
+        </p:txBody>
+      </p:sp>
+      <p:sp>
+        <p:nvSpPr>
+          <p:cNvPr id="5" name="Content Placeholder 2"/>
+          <p:cNvSpPr txBox="1">
+            <a:spLocks/>
+          </p:cNvSpPr>
+          <p:nvPr/>
+        </p:nvSpPr>
+        <p:spPr>
+          <a:xfrm>
+            <a:off x="1043492" y="2323652"/>
+            <a:ext cx="6777317" cy="3508977"/>
+          </a:xfrm>
+          <a:prstGeom prst="rect">
+            <a:avLst/>
+          </a:prstGeom>
+        </p:spPr>
+        <p:txBody>
+          <a:bodyPr vert="horz" lIns="91440" tIns="45720" rIns="91440" bIns="45720" rtlCol="0">
+            <a:normAutofit/>
+          </a:bodyPr>
+          <a:lstStyle>
+            <a:lvl1pPr marL="342900" indent="-274320" algn="l" defTabSz="914400" rtl="0" eaLnBrk="1" latinLnBrk="0" hangingPunct="1">
+              <a:spcBef>
+                <a:spcPct val="20000"/>
+              </a:spcBef>
+              <a:buClr>
+                <a:schemeClr val="accent1"/>
+              </a:buClr>
+              <a:buSzPct val="76000"/>
+              <a:buFont typeface="Wingdings 2" pitchFamily="18" charset="2"/>
+              <a:buChar char=""/>
+              <a:defRPr sz="2400" kern="1200">
+                <a:solidFill>
+                  <a:schemeClr val="tx2"/>
+                </a:solidFill>
+                <a:latin typeface="+mn-lt"/>
+                <a:ea typeface="+mn-ea"/>
+                <a:cs typeface="+mn-cs"/>
+              </a:defRPr>
+            </a:lvl1pPr>
+            <a:lvl2pPr marL="640080" indent="-274320" algn="l" defTabSz="914400" rtl="0" eaLnBrk="1" latinLnBrk="0" hangingPunct="1">
+              <a:spcBef>
+                <a:spcPct val="20000"/>
+              </a:spcBef>
+              <a:buClr>
+                <a:schemeClr val="accent1"/>
+              </a:buClr>
+              <a:buSzPct val="76000"/>
+              <a:buFont typeface="Wingdings 2" pitchFamily="18" charset="2"/>
+              <a:buChar char=""/>
+              <a:defRPr sz="2200" kern="1200">
+                <a:solidFill>
+                  <a:schemeClr val="tx2"/>
+                </a:solidFill>
+                <a:latin typeface="+mn-lt"/>
+                <a:ea typeface="+mn-ea"/>
+                <a:cs typeface="+mn-cs"/>
+              </a:defRPr>
+            </a:lvl2pPr>
+            <a:lvl3pPr marL="914400" indent="-228600" algn="l" defTabSz="914400" rtl="0" eaLnBrk="1" latinLnBrk="0" hangingPunct="1">
+              <a:spcBef>
+                <a:spcPct val="20000"/>
+              </a:spcBef>
+              <a:buClr>
+                <a:schemeClr val="accent1"/>
+              </a:buClr>
+              <a:buSzPct val="76000"/>
+              <a:buFont typeface="Wingdings 2" pitchFamily="18" charset="2"/>
+              <a:buChar char=""/>
+              <a:defRPr sz="2000" kern="1200">
+                <a:solidFill>
+                  <a:schemeClr val="tx2"/>
+                </a:solidFill>
+                <a:latin typeface="+mn-lt"/>
+                <a:ea typeface="+mn-ea"/>
+                <a:cs typeface="+mn-cs"/>
+              </a:defRPr>
+            </a:lvl3pPr>
+            <a:lvl4pPr marL="1124712" indent="-228600" algn="l" defTabSz="914400" rtl="0" eaLnBrk="1" latinLnBrk="0" hangingPunct="1">
+              <a:spcBef>
+                <a:spcPct val="20000"/>
+              </a:spcBef>
+              <a:buClr>
+                <a:schemeClr val="accent1"/>
+              </a:buClr>
+              <a:buSzPct val="76000"/>
+              <a:buFont typeface="Wingdings 2" pitchFamily="18" charset="2"/>
+              <a:buChar char=""/>
+              <a:defRPr sz="1800" kern="1200">
+                <a:solidFill>
+                  <a:schemeClr val="tx2"/>
+                </a:solidFill>
+                <a:latin typeface="+mn-lt"/>
+                <a:ea typeface="+mn-ea"/>
+                <a:cs typeface="+mn-cs"/>
+              </a:defRPr>
+            </a:lvl4pPr>
+            <a:lvl5pPr marL="1325880" indent="-228600" algn="l" defTabSz="914400" rtl="0" eaLnBrk="1" latinLnBrk="0" hangingPunct="1">
+              <a:spcBef>
+                <a:spcPct val="20000"/>
+              </a:spcBef>
+              <a:buClr>
+                <a:schemeClr val="accent1"/>
+              </a:buClr>
+              <a:buSzPct val="76000"/>
+              <a:buFont typeface="Wingdings 2" pitchFamily="18" charset="2"/>
+              <a:buChar char=""/>
+              <a:defRPr sz="1600" kern="1200" baseline="0">
+                <a:solidFill>
+                  <a:schemeClr val="tx2"/>
+                </a:solidFill>
+                <a:latin typeface="+mn-lt"/>
+                <a:ea typeface="+mn-ea"/>
+                <a:cs typeface="+mn-cs"/>
+              </a:defRPr>
+            </a:lvl5pPr>
+            <a:lvl6pPr marL="1517904" indent="-228600" algn="l" defTabSz="914400" rtl="0" eaLnBrk="1" latinLnBrk="0" hangingPunct="1">
+              <a:spcBef>
+                <a:spcPct val="20000"/>
+              </a:spcBef>
+              <a:buClr>
+                <a:schemeClr val="accent1"/>
+              </a:buClr>
+              <a:buSzPct val="76000"/>
+              <a:buFont typeface="Wingdings 2" pitchFamily="18" charset="2"/>
+              <a:buChar char=""/>
+              <a:defRPr sz="1400" kern="1200">
+                <a:solidFill>
+                  <a:schemeClr val="tx2"/>
+                </a:solidFill>
+                <a:latin typeface="+mn-lt"/>
+                <a:ea typeface="+mn-ea"/>
+                <a:cs typeface="+mn-cs"/>
+              </a:defRPr>
+            </a:lvl6pPr>
+            <a:lvl7pPr marL="1719072" indent="-228600" algn="l" defTabSz="914400" rtl="0" eaLnBrk="1" latinLnBrk="0" hangingPunct="1">
+              <a:spcBef>
+                <a:spcPct val="20000"/>
+              </a:spcBef>
+              <a:buClr>
+                <a:schemeClr val="accent1"/>
+              </a:buClr>
+              <a:buSzPct val="76000"/>
+              <a:buFont typeface="Wingdings 2" pitchFamily="18" charset="2"/>
+              <a:buChar char=""/>
+              <a:defRPr sz="1400" kern="1200">
+                <a:solidFill>
+                  <a:schemeClr val="tx2"/>
+                </a:solidFill>
+                <a:latin typeface="+mn-lt"/>
+                <a:ea typeface="+mn-ea"/>
+                <a:cs typeface="+mn-cs"/>
+              </a:defRPr>
+            </a:lvl7pPr>
+            <a:lvl8pPr marL="1920240" indent="-228600" algn="l" defTabSz="914400" rtl="0" eaLnBrk="1" latinLnBrk="0" hangingPunct="1">
+              <a:spcBef>
+                <a:spcPct val="20000"/>
+              </a:spcBef>
+              <a:buClr>
+                <a:schemeClr val="accent1"/>
+              </a:buClr>
+              <a:buSzPct val="76000"/>
+              <a:buFont typeface="Wingdings 2" pitchFamily="18" charset="2"/>
+              <a:buChar char=""/>
+              <a:defRPr sz="1400" kern="1200">
+                <a:solidFill>
+                  <a:schemeClr val="tx2"/>
+                </a:solidFill>
+                <a:latin typeface="+mn-lt"/>
+                <a:ea typeface="+mn-ea"/>
+                <a:cs typeface="+mn-cs"/>
+              </a:defRPr>
+            </a:lvl8pPr>
+            <a:lvl9pPr marL="2121408" indent="-228600" algn="l" defTabSz="914400" rtl="0" eaLnBrk="1" latinLnBrk="0" hangingPunct="1">
+              <a:spcBef>
+                <a:spcPct val="20000"/>
+              </a:spcBef>
+              <a:buClr>
+                <a:schemeClr val="accent1"/>
+              </a:buClr>
+              <a:buSzPct val="76000"/>
+              <a:buFont typeface="Wingdings 2" pitchFamily="18" charset="2"/>
+              <a:buChar char=""/>
+              <a:defRPr sz="1400" kern="1200">
+                <a:solidFill>
+                  <a:schemeClr val="tx2"/>
+                </a:solidFill>
+                <a:latin typeface="+mn-lt"/>
+                <a:ea typeface="+mn-ea"/>
+                <a:cs typeface="+mn-cs"/>
+              </a:defRPr>
+            </a:lvl9pPr>
+          </a:lstStyle>
+          <a:p>
+            <a:r>
+              <a:rPr lang="en-US" dirty="0" smtClean="0"/>
+              <a:t>Backbone – a widely used free &amp; open-source MVC web application framework.</a:t>
+            </a:r>
+          </a:p>
+          <a:p>
+            <a:endParaRPr lang="en-US" dirty="0" smtClean="0"/>
+          </a:p>
+          <a:p>
+            <a:r>
+              <a:rPr lang="en-US" dirty="0" smtClean="0"/>
+              <a:t>Add local caching of collections.</a:t>
+            </a:r>
+          </a:p>
+          <a:p>
+            <a:endParaRPr lang="en-US" dirty="0" smtClean="0"/>
+          </a:p>
+          <a:p>
+            <a:r>
+              <a:rPr lang="en-US" dirty="0" smtClean="0"/>
+              <a:t>Reduce load time, server load, and network costs.</a:t>
+            </a:r>
+            <a:endParaRPr lang="en-US" dirty="0"/>
+          </a:p>
+        </p:txBody>
+      </p:sp>
+    </p:spTree>
+    <p:extLst>
+      <p:ext uri="{BB962C8B-B14F-4D97-AF65-F5344CB8AC3E}">
+        <p14:creationId xmlns:p14="http://schemas.microsoft.com/office/powerpoint/2010/main" val="3356716546"/>
+      </p:ext>
+    </p:extLst>
+  </p:cSld>
+  <p:clrMapOvr>
+    <a:masterClrMapping/>
+  </p:clrMapOvr>
+  <p:timing>
+    <p:tnLst>
+      <p:par>
+        <p:cTn xmlns:p14="http://schemas.microsoft.com/office/powerpoint/2010/main" id="1" dur="indefinite" restart="never" nodeType="tmRoot"/>
+      </p:par>
+    </p:tnLst>
+  </p:timing>
+</p:sld>
+</file>
+
+<file path=ppt/slides/slide6.xml><?xml version="1.0" encoding="utf-8"?>
+<p:sld xmlns:a="http://schemas.openxmlformats.org/drawingml/2006/main" xmlns:r="http://schemas.openxmlformats.org/officeDocument/2006/relationships" xmlns:p="http://schemas.openxmlformats.org/presentationml/2006/main">
+  <p:cSld>
+    <p:spTree>
+      <p:nvGrpSpPr>
+        <p:cNvPr id="1" name=""/>
+        <p:cNvGrpSpPr/>
+        <p:nvPr/>
+      </p:nvGrpSpPr>
+      <p:grpSpPr>
+        <a:xfrm>
+          <a:off x="0" y="0"/>
+          <a:ext cx="0" cy="0"/>
+          <a:chOff x="0" y="0"/>
+          <a:chExt cx="0" cy="0"/>
+        </a:xfrm>
+      </p:grpSpPr>
+      <p:sp>
+        <p:nvSpPr>
+          <p:cNvPr id="2" name="Title 1"/>
+          <p:cNvSpPr>
+            <a:spLocks noGrp="1"/>
+          </p:cNvSpPr>
+          <p:nvPr>
+            <p:ph type="title"/>
+          </p:nvPr>
+        </p:nvSpPr>
+        <p:spPr/>
+        <p:txBody>
+          <a:bodyPr/>
+          <a:lstStyle/>
+          <a:p>
+            <a:r>
+              <a:rPr lang="en-US" dirty="0" smtClean="0"/>
+              <a:t>Solution: Implementation</a:t>
+            </a:r>
+            <a:endParaRPr lang="en-US" dirty="0"/>
+          </a:p>
+        </p:txBody>
+      </p:sp>
+      <p:sp>
+        <p:nvSpPr>
+          <p:cNvPr id="3" name="Content Placeholder 2"/>
+          <p:cNvSpPr>
+            <a:spLocks noGrp="1"/>
+          </p:cNvSpPr>
+          <p:nvPr>
+            <p:ph idx="1"/>
+          </p:nvPr>
+        </p:nvSpPr>
+        <p:spPr/>
+        <p:txBody>
+          <a:bodyPr>
+            <a:normAutofit fontScale="92500" lnSpcReduction="20000"/>
+          </a:bodyPr>
+          <a:lstStyle/>
+          <a:p>
+            <a:r>
+              <a:rPr lang="en-US" dirty="0" err="1"/>
+              <a:t>NodeJS</a:t>
+            </a:r>
+            <a:r>
+              <a:rPr lang="en-US" dirty="0"/>
+              <a:t>: Serves dynamically generated data.</a:t>
+            </a:r>
+          </a:p>
+          <a:p>
+            <a:endParaRPr lang="en-US" dirty="0"/>
+          </a:p>
+          <a:p>
+            <a:pPr marL="68580" indent="0">
+              <a:buNone/>
+            </a:pPr>
+            <a:endParaRPr lang="en-US" dirty="0"/>
+          </a:p>
+          <a:p>
+            <a:r>
+              <a:rPr lang="en-US" dirty="0"/>
+              <a:t>Use </a:t>
+            </a:r>
+            <a:r>
+              <a:rPr lang="en-US" dirty="0" err="1"/>
+              <a:t>Backbone.js</a:t>
+            </a:r>
+            <a:r>
+              <a:rPr lang="en-US" dirty="0"/>
+              <a:t> to implement local caching</a:t>
+            </a:r>
+          </a:p>
+          <a:p>
+            <a:pPr marL="365760" lvl="1" indent="0">
+              <a:buNone/>
+            </a:pPr>
+            <a:r>
+              <a:rPr lang="en-US" dirty="0"/>
+              <a:t>Event listeners per model and collection</a:t>
+            </a:r>
+          </a:p>
+          <a:p>
+            <a:pPr marL="68580" indent="0">
+              <a:buNone/>
+            </a:pPr>
+            <a:endParaRPr lang="en-US" dirty="0"/>
+          </a:p>
+          <a:p>
+            <a:r>
+              <a:rPr lang="en-US" dirty="0"/>
+              <a:t>Employ two caching strategies</a:t>
+            </a:r>
+          </a:p>
+          <a:p>
+            <a:pPr marL="68580" indent="0">
+              <a:buNone/>
+            </a:pPr>
+            <a:endParaRPr lang="en-US" dirty="0"/>
+          </a:p>
+          <a:p>
+            <a:pPr marL="365760" lvl="1" indent="0">
+              <a:buNone/>
+            </a:pPr>
+            <a:r>
+              <a:rPr lang="en-US" dirty="0"/>
+              <a:t>Store one key per </a:t>
+            </a:r>
+            <a:r>
+              <a:rPr lang="en-US" b="1" dirty="0"/>
+              <a:t>model</a:t>
+            </a:r>
+          </a:p>
+          <a:p>
+            <a:pPr marL="365760" lvl="1" indent="0">
+              <a:buNone/>
+            </a:pPr>
+            <a:r>
+              <a:rPr lang="en-US" dirty="0"/>
+              <a:t>Store one key per </a:t>
+            </a:r>
+            <a:r>
+              <a:rPr lang="en-US" b="1" dirty="0"/>
+              <a:t>collection</a:t>
+            </a:r>
+          </a:p>
+          <a:p>
+            <a:endParaRPr lang="en-US" dirty="0"/>
+          </a:p>
+        </p:txBody>
+      </p:sp>
+    </p:spTree>
+    <p:extLst>
+      <p:ext uri="{BB962C8B-B14F-4D97-AF65-F5344CB8AC3E}">
+        <p14:creationId xmlns:p14="http://schemas.microsoft.com/office/powerpoint/2010/main" val="2212694809"/>
+      </p:ext>
+    </p:extLst>
+  </p:cSld>
+  <p:clrMapOvr>
+    <a:masterClrMapping/>
+  </p:clrMapOvr>
+</p:sld>
+</file>
+
+<file path=ppt/slides/slide7.xml><?xml version="1.0" encoding="utf-8"?>
+<p:sld xmlns:a="http://schemas.openxmlformats.org/drawingml/2006/main" xmlns:r="http://schemas.openxmlformats.org/officeDocument/2006/relationships" xmlns:p="http://schemas.openxmlformats.org/presentationml/2006/main">
+  <p:cSld>
+    <p:spTree>
+      <p:nvGrpSpPr>
+        <p:cNvPr id="1" name=""/>
+        <p:cNvGrpSpPr/>
+        <p:nvPr/>
+      </p:nvGrpSpPr>
+      <p:grpSpPr>
+        <a:xfrm>
+          <a:off x="0" y="0"/>
+          <a:ext cx="0" cy="0"/>
+          <a:chOff x="0" y="0"/>
+          <a:chExt cx="0" cy="0"/>
+        </a:xfrm>
+      </p:grpSpPr>
+      <p:sp>
+        <p:nvSpPr>
+          <p:cNvPr id="2" name="Title 1"/>
+          <p:cNvSpPr>
+            <a:spLocks noGrp="1"/>
+          </p:cNvSpPr>
+          <p:nvPr>
+            <p:ph type="title"/>
+          </p:nvPr>
+        </p:nvSpPr>
         <p:spPr/>
         <p:txBody>
           <a:bodyPr>
@@ -14891,7 +15315,7 @@
           <a:p>
             <a:r>
               <a:rPr lang="en-US" sz="4400" dirty="0" smtClean="0"/>
-              <a:t>Solution: Frontend</a:t>
+              <a:t>Evaluation</a:t>
             </a:r>
             <a:r>
               <a:rPr lang="en-US" dirty="0" smtClean="0"/>
@@ -14947,7 +15371,7 @@
             </a:r>
             <a:r>
               <a:rPr lang="en-US" dirty="0" smtClean="0"/>
-              <a:t>various sized models of different numbers:</a:t>
+              <a:t>models of various sizes and quantities:</a:t>
             </a:r>
             <a:endParaRPr lang="en-US" dirty="0" smtClean="0"/>
           </a:p>
@@ -15093,7 +15517,7 @@
 </p:sld>
 </file>
 
-<file path=ppt/slides/slide6.xml><?xml version="1.0" encoding="utf-8"?>
+<file path=ppt/slides/slide8.xml><?xml version="1.0" encoding="utf-8"?>
 <p:sld xmlns:a="http://schemas.openxmlformats.org/drawingml/2006/main" xmlns:r="http://schemas.openxmlformats.org/officeDocument/2006/relationships" xmlns:p="http://schemas.openxmlformats.org/presentationml/2006/main">
   <p:cSld>
     <p:spTree>
@@ -15283,7 +15707,7 @@
 </p:sld>
 </file>
 
-<file path=ppt/slides/slide7.xml><?xml version="1.0" encoding="utf-8"?>
+<file path=ppt/slides/slide9.xml><?xml version="1.0" encoding="utf-8"?>
 <p:sld xmlns:a="http://schemas.openxmlformats.org/drawingml/2006/main" xmlns:r="http://schemas.openxmlformats.org/officeDocument/2006/relationships" xmlns:p="http://schemas.openxmlformats.org/presentationml/2006/main">
   <p:cSld>
     <p:spTree>
@@ -15340,122 +15764,84 @@
         </p:nvSpPr>
         <p:spPr>
           <a:xfrm>
-            <a:off x="1043492" y="2112896"/>
-            <a:ext cx="7024742" cy="3703312"/>
+            <a:off x="1043492" y="1778000"/>
+            <a:ext cx="7024742" cy="4368800"/>
           </a:xfrm>
         </p:spPr>
         <p:txBody>
           <a:bodyPr>
-            <a:normAutofit fontScale="92500" lnSpcReduction="10000"/>
+            <a:normAutofit lnSpcReduction="10000"/>
           </a:bodyPr>
           <a:lstStyle/>
           <a:p>
             <a:r>
               <a:rPr lang="en-US" dirty="0" smtClean="0"/>
-              <a:t>Loading from local cache is significantly faster than loading from server (obvious</a:t>
-            </a:r>
+              <a:t>Local cache is faster than server load time.</a:t>
+            </a:r>
+          </a:p>
+          <a:p>
+            <a:endParaRPr lang="en-US" dirty="0" smtClean="0"/>
+          </a:p>
+          <a:p>
             <a:r>
               <a:rPr lang="en-US" dirty="0" smtClean="0"/>
-              <a:t>)</a:t>
-            </a:r>
-          </a:p>
-          <a:p>
-            <a:pPr marL="68580" indent="0">
+              <a:t>Loading local</a:t>
+            </a:r>
+            <a:r>
+              <a:rPr lang="en-US" b="1" dirty="0" smtClean="0"/>
+              <a:t> models individually</a:t>
+            </a:r>
+            <a:r>
+              <a:rPr lang="en-US" dirty="0" smtClean="0"/>
+              <a:t> increases time to load all models.  Can </a:t>
+            </a:r>
+            <a:r>
+              <a:rPr lang="en-US" i="1" dirty="0" smtClean="0"/>
+              <a:t>seem faster</a:t>
+            </a:r>
+            <a:r>
+              <a:rPr lang="en-US" dirty="0" smtClean="0"/>
+              <a:t> if a few models fill page.</a:t>
+            </a:r>
+          </a:p>
+          <a:p>
+            <a:endParaRPr lang="en-US" dirty="0" smtClean="0"/>
+          </a:p>
+          <a:p>
+            <a:r>
+              <a:rPr lang="en-US" dirty="0" smtClean="0"/>
+              <a:t>Local cache optimal when remote load time &gt; 100ms (perceivable lag).</a:t>
+            </a:r>
+            <a:endParaRPr lang="en-US" dirty="0"/>
+          </a:p>
+          <a:p>
+            <a:pPr lvl="1"/>
+            <a:r>
+              <a:rPr lang="en-US" dirty="0" smtClean="0"/>
+              <a:t>For</a:t>
+            </a:r>
+            <a:r>
+              <a:rPr lang="en-US" dirty="0" smtClean="0"/>
+              <a:t> 300+ items: </a:t>
+            </a:r>
+          </a:p>
+          <a:p>
+            <a:pPr marL="685800" lvl="2" indent="0">
               <a:buNone/>
             </a:pPr>
-            <a:endParaRPr lang="en-US" dirty="0" smtClean="0"/>
-          </a:p>
-          <a:p>
             <a:r>
               <a:rPr lang="en-US" dirty="0" smtClean="0"/>
-              <a:t>Loading data as </a:t>
-            </a:r>
-            <a:r>
-              <a:rPr lang="en-US" b="1" dirty="0" smtClean="0"/>
-              <a:t>individual models</a:t>
-            </a:r>
-            <a:r>
-              <a:rPr lang="en-US" dirty="0" smtClean="0"/>
-              <a:t> is slow for both local and server storage</a:t>
-            </a:r>
-            <a:endParaRPr lang="en-US" dirty="0" smtClean="0"/>
-          </a:p>
-          <a:p>
-            <a:pPr marL="68580" indent="0">
+              <a:t>emails (1 paragraph)</a:t>
+            </a:r>
+          </a:p>
+          <a:p>
+            <a:pPr marL="685800" lvl="2" indent="0">
               <a:buNone/>
             </a:pPr>
-            <a:endParaRPr lang="en-US" dirty="0" smtClean="0"/>
-          </a:p>
-          <a:p>
             <a:r>
               <a:rPr lang="en-US" dirty="0" smtClean="0"/>
-              <a:t>Loading from local cache most advantageous when loading models as </a:t>
-            </a:r>
-            <a:r>
-              <a:rPr lang="en-US" b="1" dirty="0" smtClean="0"/>
-              <a:t>c</a:t>
-            </a:r>
-            <a:r>
-              <a:rPr lang="en-US" b="1" dirty="0" smtClean="0"/>
-              <a:t>ollections </a:t>
-            </a:r>
-            <a:r>
-              <a:rPr lang="en-US" dirty="0" smtClean="0"/>
-              <a:t>of </a:t>
-            </a:r>
-            <a:r>
-              <a:rPr lang="en-US" b="1" dirty="0" smtClean="0"/>
-              <a:t>medium </a:t>
-            </a:r>
-            <a:r>
-              <a:rPr lang="en-US" dirty="0" smtClean="0"/>
-              <a:t>number (e.g. 50</a:t>
-            </a:r>
-            <a:r>
-              <a:rPr lang="en-US" smtClean="0"/>
-              <a:t>)</a:t>
-            </a:r>
-            <a:r>
-              <a:rPr lang="en-US" b="1" smtClean="0"/>
-              <a:t> </a:t>
-            </a:r>
-            <a:r>
-              <a:rPr lang="en-US" smtClean="0"/>
-              <a:t>of </a:t>
-            </a:r>
-            <a:r>
-              <a:rPr lang="en-US" smtClean="0"/>
-              <a:t>models </a:t>
-            </a:r>
-            <a:r>
-              <a:rPr lang="en-US" dirty="0" smtClean="0"/>
-              <a:t>of </a:t>
-            </a:r>
-            <a:r>
-              <a:rPr lang="en-US" b="1" dirty="0" smtClean="0"/>
-              <a:t>large </a:t>
-            </a:r>
-            <a:r>
-              <a:rPr lang="en-US" dirty="0" smtClean="0"/>
-              <a:t>size (e.g. </a:t>
-            </a:r>
-            <a:r>
-              <a:rPr lang="en-US" dirty="0" smtClean="0"/>
-              <a:t>docs</a:t>
-            </a:r>
-            <a:r>
-              <a:rPr lang="en-US" dirty="0" smtClean="0"/>
-              <a:t> </a:t>
-            </a:r>
-            <a:r>
-              <a:rPr lang="en-US" dirty="0" smtClean="0"/>
-              <a:t>application)</a:t>
-            </a:r>
-          </a:p>
-          <a:p>
-            <a:endParaRPr lang="en-US" dirty="0" smtClean="0"/>
-          </a:p>
-          <a:p>
+              <a:t>documents (5 paragraphs)</a:t>
+            </a:r>
             <a:endParaRPr lang="en-US" dirty="0"/>
           </a:p>
         </p:txBody>

--- a/presentation.pptx
+++ b/presentation.pptx
@@ -5,7 +5,7 @@
     <p:sldMasterId id="2147483981" r:id="rId1"/>
   </p:sldMasterIdLst>
   <p:notesMasterIdLst>
-    <p:notesMasterId r:id="rId11"/>
+    <p:notesMasterId r:id="rId14"/>
   </p:notesMasterIdLst>
   <p:sldIdLst>
     <p:sldId id="256" r:id="rId2"/>
@@ -15,8 +15,11 @@
     <p:sldId id="258" r:id="rId6"/>
     <p:sldId id="265" r:id="rId7"/>
     <p:sldId id="259" r:id="rId8"/>
-    <p:sldId id="264" r:id="rId9"/>
-    <p:sldId id="260" r:id="rId10"/>
+    <p:sldId id="267" r:id="rId9"/>
+    <p:sldId id="269" r:id="rId10"/>
+    <p:sldId id="264" r:id="rId11"/>
+    <p:sldId id="268" r:id="rId12"/>
+    <p:sldId id="260" r:id="rId13"/>
   </p:sldIdLst>
   <p:sldSz cx="9144000" cy="6858000" type="screen4x3"/>
   <p:notesSz cx="6858000" cy="9144000"/>
@@ -551,6 +554,309 @@
             <a:fld id="{FCCCFF32-6530-5648-BF3F-959AEFF1032D}" type="slidenum">
               <a:rPr lang="en-US" smtClean="0"/>
               <a:t>8</a:t>
+            </a:fld>
+            <a:endParaRPr lang="en-US"/>
+          </a:p>
+        </p:txBody>
+      </p:sp>
+    </p:spTree>
+    <p:extLst>
+      <p:ext uri="{BB962C8B-B14F-4D97-AF65-F5344CB8AC3E}">
+        <p14:creationId xmlns:p14="http://schemas.microsoft.com/office/powerpoint/2010/main" val="3963747658"/>
+      </p:ext>
+    </p:extLst>
+  </p:cSld>
+  <p:clrMapOvr>
+    <a:masterClrMapping/>
+  </p:clrMapOvr>
+</p:notes>
+</file>
+
+<file path=ppt/notesSlides/notesSlide2.xml><?xml version="1.0" encoding="utf-8"?>
+<p:notes xmlns:a="http://schemas.openxmlformats.org/drawingml/2006/main" xmlns:r="http://schemas.openxmlformats.org/officeDocument/2006/relationships" xmlns:p="http://schemas.openxmlformats.org/presentationml/2006/main">
+  <p:cSld>
+    <p:spTree>
+      <p:nvGrpSpPr>
+        <p:cNvPr id="1" name=""/>
+        <p:cNvGrpSpPr/>
+        <p:nvPr/>
+      </p:nvGrpSpPr>
+      <p:grpSpPr>
+        <a:xfrm>
+          <a:off x="0" y="0"/>
+          <a:ext cx="0" cy="0"/>
+          <a:chOff x="0" y="0"/>
+          <a:chExt cx="0" cy="0"/>
+        </a:xfrm>
+      </p:grpSpPr>
+      <p:sp>
+        <p:nvSpPr>
+          <p:cNvPr id="2" name="Slide Image Placeholder 1"/>
+          <p:cNvSpPr>
+            <a:spLocks noGrp="1" noRot="1" noChangeAspect="1"/>
+          </p:cNvSpPr>
+          <p:nvPr>
+            <p:ph type="sldImg"/>
+          </p:nvPr>
+        </p:nvSpPr>
+        <p:spPr/>
+      </p:sp>
+      <p:sp>
+        <p:nvSpPr>
+          <p:cNvPr id="3" name="Notes Placeholder 2"/>
+          <p:cNvSpPr>
+            <a:spLocks noGrp="1"/>
+          </p:cNvSpPr>
+          <p:nvPr>
+            <p:ph type="body" idx="1"/>
+          </p:nvPr>
+        </p:nvSpPr>
+        <p:spPr/>
+        <p:txBody>
+          <a:bodyPr/>
+          <a:lstStyle/>
+          <a:p>
+            <a:pPr marL="0" marR="0" indent="0" algn="l" defTabSz="457200" rtl="0" eaLnBrk="1" fontAlgn="auto" latinLnBrk="0" hangingPunct="1">
+              <a:lnSpc>
+                <a:spcPct val="100000"/>
+              </a:lnSpc>
+              <a:spcBef>
+                <a:spcPts val="0"/>
+              </a:spcBef>
+              <a:spcAft>
+                <a:spcPts val="0"/>
+              </a:spcAft>
+              <a:buClrTx/>
+              <a:buSzTx/>
+              <a:buFontTx/>
+              <a:buNone/>
+              <a:tabLst/>
+              <a:defRPr/>
+            </a:pPr>
+            <a:endParaRPr lang="en-US" dirty="0"/>
+          </a:p>
+        </p:txBody>
+      </p:sp>
+      <p:sp>
+        <p:nvSpPr>
+          <p:cNvPr id="4" name="Slide Number Placeholder 3"/>
+          <p:cNvSpPr>
+            <a:spLocks noGrp="1"/>
+          </p:cNvSpPr>
+          <p:nvPr>
+            <p:ph type="sldNum" sz="quarter" idx="10"/>
+          </p:nvPr>
+        </p:nvSpPr>
+        <p:spPr/>
+        <p:txBody>
+          <a:bodyPr/>
+          <a:lstStyle/>
+          <a:p>
+            <a:fld id="{FCCCFF32-6530-5648-BF3F-959AEFF1032D}" type="slidenum">
+              <a:rPr lang="en-US" smtClean="0"/>
+              <a:t>9</a:t>
+            </a:fld>
+            <a:endParaRPr lang="en-US"/>
+          </a:p>
+        </p:txBody>
+      </p:sp>
+    </p:spTree>
+    <p:extLst>
+      <p:ext uri="{BB962C8B-B14F-4D97-AF65-F5344CB8AC3E}">
+        <p14:creationId xmlns:p14="http://schemas.microsoft.com/office/powerpoint/2010/main" val="3963747658"/>
+      </p:ext>
+    </p:extLst>
+  </p:cSld>
+  <p:clrMapOvr>
+    <a:masterClrMapping/>
+  </p:clrMapOvr>
+</p:notes>
+</file>
+
+<file path=ppt/notesSlides/notesSlide3.xml><?xml version="1.0" encoding="utf-8"?>
+<p:notes xmlns:a="http://schemas.openxmlformats.org/drawingml/2006/main" xmlns:r="http://schemas.openxmlformats.org/officeDocument/2006/relationships" xmlns:p="http://schemas.openxmlformats.org/presentationml/2006/main">
+  <p:cSld>
+    <p:spTree>
+      <p:nvGrpSpPr>
+        <p:cNvPr id="1" name=""/>
+        <p:cNvGrpSpPr/>
+        <p:nvPr/>
+      </p:nvGrpSpPr>
+      <p:grpSpPr>
+        <a:xfrm>
+          <a:off x="0" y="0"/>
+          <a:ext cx="0" cy="0"/>
+          <a:chOff x="0" y="0"/>
+          <a:chExt cx="0" cy="0"/>
+        </a:xfrm>
+      </p:grpSpPr>
+      <p:sp>
+        <p:nvSpPr>
+          <p:cNvPr id="2" name="Slide Image Placeholder 1"/>
+          <p:cNvSpPr>
+            <a:spLocks noGrp="1" noRot="1" noChangeAspect="1"/>
+          </p:cNvSpPr>
+          <p:nvPr>
+            <p:ph type="sldImg"/>
+          </p:nvPr>
+        </p:nvSpPr>
+        <p:spPr/>
+      </p:sp>
+      <p:sp>
+        <p:nvSpPr>
+          <p:cNvPr id="3" name="Notes Placeholder 2"/>
+          <p:cNvSpPr>
+            <a:spLocks noGrp="1"/>
+          </p:cNvSpPr>
+          <p:nvPr>
+            <p:ph type="body" idx="1"/>
+          </p:nvPr>
+        </p:nvSpPr>
+        <p:spPr/>
+        <p:txBody>
+          <a:bodyPr/>
+          <a:lstStyle/>
+          <a:p>
+            <a:pPr marL="0" marR="0" indent="0" algn="l" defTabSz="457200" rtl="0" eaLnBrk="1" fontAlgn="auto" latinLnBrk="0" hangingPunct="1">
+              <a:lnSpc>
+                <a:spcPct val="100000"/>
+              </a:lnSpc>
+              <a:spcBef>
+                <a:spcPts val="0"/>
+              </a:spcBef>
+              <a:spcAft>
+                <a:spcPts val="0"/>
+              </a:spcAft>
+              <a:buClrTx/>
+              <a:buSzTx/>
+              <a:buFontTx/>
+              <a:buNone/>
+              <a:tabLst/>
+              <a:defRPr/>
+            </a:pPr>
+            <a:endParaRPr lang="en-US" dirty="0"/>
+          </a:p>
+        </p:txBody>
+      </p:sp>
+      <p:sp>
+        <p:nvSpPr>
+          <p:cNvPr id="4" name="Slide Number Placeholder 3"/>
+          <p:cNvSpPr>
+            <a:spLocks noGrp="1"/>
+          </p:cNvSpPr>
+          <p:nvPr>
+            <p:ph type="sldNum" sz="quarter" idx="10"/>
+          </p:nvPr>
+        </p:nvSpPr>
+        <p:spPr/>
+        <p:txBody>
+          <a:bodyPr/>
+          <a:lstStyle/>
+          <a:p>
+            <a:fld id="{FCCCFF32-6530-5648-BF3F-959AEFF1032D}" type="slidenum">
+              <a:rPr lang="en-US" smtClean="0"/>
+              <a:t>10</a:t>
+            </a:fld>
+            <a:endParaRPr lang="en-US"/>
+          </a:p>
+        </p:txBody>
+      </p:sp>
+    </p:spTree>
+    <p:extLst>
+      <p:ext uri="{BB962C8B-B14F-4D97-AF65-F5344CB8AC3E}">
+        <p14:creationId xmlns:p14="http://schemas.microsoft.com/office/powerpoint/2010/main" val="3963747658"/>
+      </p:ext>
+    </p:extLst>
+  </p:cSld>
+  <p:clrMapOvr>
+    <a:masterClrMapping/>
+  </p:clrMapOvr>
+</p:notes>
+</file>
+
+<file path=ppt/notesSlides/notesSlide4.xml><?xml version="1.0" encoding="utf-8"?>
+<p:notes xmlns:a="http://schemas.openxmlformats.org/drawingml/2006/main" xmlns:r="http://schemas.openxmlformats.org/officeDocument/2006/relationships" xmlns:p="http://schemas.openxmlformats.org/presentationml/2006/main">
+  <p:cSld>
+    <p:spTree>
+      <p:nvGrpSpPr>
+        <p:cNvPr id="1" name=""/>
+        <p:cNvGrpSpPr/>
+        <p:nvPr/>
+      </p:nvGrpSpPr>
+      <p:grpSpPr>
+        <a:xfrm>
+          <a:off x="0" y="0"/>
+          <a:ext cx="0" cy="0"/>
+          <a:chOff x="0" y="0"/>
+          <a:chExt cx="0" cy="0"/>
+        </a:xfrm>
+      </p:grpSpPr>
+      <p:sp>
+        <p:nvSpPr>
+          <p:cNvPr id="2" name="Slide Image Placeholder 1"/>
+          <p:cNvSpPr>
+            <a:spLocks noGrp="1" noRot="1" noChangeAspect="1"/>
+          </p:cNvSpPr>
+          <p:nvPr>
+            <p:ph type="sldImg"/>
+          </p:nvPr>
+        </p:nvSpPr>
+        <p:spPr/>
+      </p:sp>
+      <p:sp>
+        <p:nvSpPr>
+          <p:cNvPr id="3" name="Notes Placeholder 2"/>
+          <p:cNvSpPr>
+            <a:spLocks noGrp="1"/>
+          </p:cNvSpPr>
+          <p:nvPr>
+            <p:ph type="body" idx="1"/>
+          </p:nvPr>
+        </p:nvSpPr>
+        <p:spPr/>
+        <p:txBody>
+          <a:bodyPr/>
+          <a:lstStyle/>
+          <a:p>
+            <a:pPr marL="0" marR="0" indent="0" algn="l" defTabSz="457200" rtl="0" eaLnBrk="1" fontAlgn="auto" latinLnBrk="0" hangingPunct="1">
+              <a:lnSpc>
+                <a:spcPct val="100000"/>
+              </a:lnSpc>
+              <a:spcBef>
+                <a:spcPts val="0"/>
+              </a:spcBef>
+              <a:spcAft>
+                <a:spcPts val="0"/>
+              </a:spcAft>
+              <a:buClrTx/>
+              <a:buSzTx/>
+              <a:buFontTx/>
+              <a:buNone/>
+              <a:tabLst/>
+              <a:defRPr/>
+            </a:pPr>
+            <a:endParaRPr lang="en-US" dirty="0"/>
+          </a:p>
+        </p:txBody>
+      </p:sp>
+      <p:sp>
+        <p:nvSpPr>
+          <p:cNvPr id="4" name="Slide Number Placeholder 3"/>
+          <p:cNvSpPr>
+            <a:spLocks noGrp="1"/>
+          </p:cNvSpPr>
+          <p:nvPr>
+            <p:ph type="sldNum" sz="quarter" idx="10"/>
+          </p:nvPr>
+        </p:nvSpPr>
+        <p:spPr/>
+        <p:txBody>
+          <a:bodyPr/>
+          <a:lstStyle/>
+          <a:p>
+            <a:fld id="{FCCCFF32-6530-5648-BF3F-959AEFF1032D}" type="slidenum">
+              <a:rPr lang="en-US" smtClean="0"/>
+              <a:t>11</a:t>
             </a:fld>
             <a:endParaRPr lang="en-US"/>
           </a:p>
@@ -14239,19 +14545,7 @@
           <a:p>
             <a:r>
               <a:rPr lang="en-US" sz="2400" dirty="0" smtClean="0"/>
-              <a:t>Implementing </a:t>
-            </a:r>
-            <a:r>
-              <a:rPr lang="en-US" sz="2400" dirty="0" smtClean="0"/>
-              <a:t>Local </a:t>
-            </a:r>
-            <a:r>
-              <a:rPr lang="en-US" sz="2400" dirty="0" smtClean="0"/>
-              <a:t>Caching Strategies </a:t>
-            </a:r>
-            <a:r>
-              <a:rPr lang="en-US" sz="2400" dirty="0" smtClean="0"/>
-              <a:t>for Web Applications</a:t>
+              <a:t>Implementing Local Caching Strategies for Web Applications</a:t>
             </a:r>
             <a:endParaRPr lang="en-US" sz="2400" dirty="0"/>
           </a:p>
@@ -14314,6 +14608,373 @@
   <p:clrMapOvr>
     <a:masterClrMapping/>
   </p:clrMapOvr>
+</p:sld>
+</file>
+
+<file path=ppt/slides/slide10.xml><?xml version="1.0" encoding="utf-8"?>
+<p:sld xmlns:a="http://schemas.openxmlformats.org/drawingml/2006/main" xmlns:r="http://schemas.openxmlformats.org/officeDocument/2006/relationships" xmlns:p="http://schemas.openxmlformats.org/presentationml/2006/main">
+  <p:cSld>
+    <p:spTree>
+      <p:nvGrpSpPr>
+        <p:cNvPr id="1" name=""/>
+        <p:cNvGrpSpPr/>
+        <p:nvPr/>
+      </p:nvGrpSpPr>
+      <p:grpSpPr>
+        <a:xfrm>
+          <a:off x="0" y="0"/>
+          <a:ext cx="0" cy="0"/>
+          <a:chOff x="0" y="0"/>
+          <a:chExt cx="0" cy="0"/>
+        </a:xfrm>
+      </p:grpSpPr>
+      <p:sp>
+        <p:nvSpPr>
+          <p:cNvPr id="2" name="Title 1"/>
+          <p:cNvSpPr>
+            <a:spLocks noGrp="1"/>
+          </p:cNvSpPr>
+          <p:nvPr>
+            <p:ph type="title"/>
+          </p:nvPr>
+        </p:nvSpPr>
+        <p:spPr>
+          <a:xfrm>
+            <a:off x="1043490" y="608855"/>
+            <a:ext cx="7024744" cy="1143000"/>
+          </a:xfrm>
+        </p:spPr>
+        <p:txBody>
+          <a:bodyPr>
+            <a:normAutofit fontScale="90000"/>
+          </a:bodyPr>
+          <a:lstStyle/>
+          <a:p>
+            <a:r>
+              <a:rPr lang="en-US" sz="4400" dirty="0" smtClean="0"/>
+              <a:t>Results</a:t>
+            </a:r>
+            <a:r>
+              <a:rPr lang="en-US" dirty="0" smtClean="0"/>
+              <a:t/>
+            </a:r>
+            <a:br>
+              <a:rPr lang="en-US" dirty="0" smtClean="0"/>
+            </a:br>
+            <a:endParaRPr lang="en-US" dirty="0"/>
+          </a:p>
+        </p:txBody>
+      </p:sp>
+      <p:pic>
+        <p:nvPicPr>
+          <p:cNvPr id="7" name="Picture 6"/>
+          <p:cNvPicPr>
+            <a:picLocks noChangeAspect="1"/>
+          </p:cNvPicPr>
+          <p:nvPr/>
+        </p:nvPicPr>
+        <p:blipFill rotWithShape="1">
+          <a:blip r:embed="rId3" cstate="email">
+            <a:extLst>
+              <a:ext uri="{28A0092B-C50C-407E-A947-70E740481C1C}">
+                <a14:useLocalDpi xmlns:a14="http://schemas.microsoft.com/office/drawing/2010/main" val="0"/>
+              </a:ext>
+            </a:extLst>
+          </a:blip>
+          <a:srcRect t="3908" b="11095"/>
+          <a:stretch/>
+        </p:blipFill>
+        <p:spPr>
+          <a:xfrm>
+            <a:off x="762000" y="1295399"/>
+            <a:ext cx="6794500" cy="5197568"/>
+          </a:xfrm>
+          <a:prstGeom prst="rect">
+            <a:avLst/>
+          </a:prstGeom>
+        </p:spPr>
+      </p:pic>
+    </p:spTree>
+    <p:extLst>
+      <p:ext uri="{BB962C8B-B14F-4D97-AF65-F5344CB8AC3E}">
+        <p14:creationId xmlns:p14="http://schemas.microsoft.com/office/powerpoint/2010/main" val="3193948367"/>
+      </p:ext>
+    </p:extLst>
+  </p:cSld>
+  <p:clrMapOvr>
+    <a:masterClrMapping/>
+  </p:clrMapOvr>
+  <p:timing>
+    <p:tnLst>
+      <p:par>
+        <p:cTn xmlns:p14="http://schemas.microsoft.com/office/powerpoint/2010/main" id="1" dur="indefinite" restart="never" nodeType="tmRoot"/>
+      </p:par>
+    </p:tnLst>
+  </p:timing>
+</p:sld>
+</file>
+
+<file path=ppt/slides/slide11.xml><?xml version="1.0" encoding="utf-8"?>
+<p:sld xmlns:a="http://schemas.openxmlformats.org/drawingml/2006/main" xmlns:r="http://schemas.openxmlformats.org/officeDocument/2006/relationships" xmlns:p="http://schemas.openxmlformats.org/presentationml/2006/main">
+  <p:cSld>
+    <p:spTree>
+      <p:nvGrpSpPr>
+        <p:cNvPr id="1" name=""/>
+        <p:cNvGrpSpPr/>
+        <p:nvPr/>
+      </p:nvGrpSpPr>
+      <p:grpSpPr>
+        <a:xfrm>
+          <a:off x="0" y="0"/>
+          <a:ext cx="0" cy="0"/>
+          <a:chOff x="0" y="0"/>
+          <a:chExt cx="0" cy="0"/>
+        </a:xfrm>
+      </p:grpSpPr>
+      <p:sp>
+        <p:nvSpPr>
+          <p:cNvPr id="2" name="Title 1"/>
+          <p:cNvSpPr>
+            <a:spLocks noGrp="1"/>
+          </p:cNvSpPr>
+          <p:nvPr>
+            <p:ph type="title"/>
+          </p:nvPr>
+        </p:nvSpPr>
+        <p:spPr>
+          <a:xfrm>
+            <a:off x="1043490" y="608855"/>
+            <a:ext cx="7024744" cy="1143000"/>
+          </a:xfrm>
+        </p:spPr>
+        <p:txBody>
+          <a:bodyPr>
+            <a:normAutofit fontScale="90000"/>
+          </a:bodyPr>
+          <a:lstStyle/>
+          <a:p>
+            <a:r>
+              <a:rPr lang="en-US" sz="4400" dirty="0" smtClean="0"/>
+              <a:t>Results</a:t>
+            </a:r>
+            <a:r>
+              <a:rPr lang="en-US" dirty="0" smtClean="0"/>
+              <a:t/>
+            </a:r>
+            <a:br>
+              <a:rPr lang="en-US" dirty="0" smtClean="0"/>
+            </a:br>
+            <a:endParaRPr lang="en-US" dirty="0"/>
+          </a:p>
+        </p:txBody>
+      </p:sp>
+      <p:pic>
+        <p:nvPicPr>
+          <p:cNvPr id="8" name="Picture 7"/>
+          <p:cNvPicPr>
+            <a:picLocks noChangeAspect="1"/>
+          </p:cNvPicPr>
+          <p:nvPr/>
+        </p:nvPicPr>
+        <p:blipFill rotWithShape="1">
+          <a:blip r:embed="rId3" cstate="email">
+            <a:extLst>
+              <a:ext uri="{28A0092B-C50C-407E-A947-70E740481C1C}">
+                <a14:useLocalDpi xmlns:a14="http://schemas.microsoft.com/office/drawing/2010/main" val="0"/>
+              </a:ext>
+            </a:extLst>
+          </a:blip>
+          <a:srcRect t="4813" b="9646"/>
+          <a:stretch/>
+        </p:blipFill>
+        <p:spPr>
+          <a:xfrm>
+            <a:off x="611690" y="1272282"/>
+            <a:ext cx="6665410" cy="5131547"/>
+          </a:xfrm>
+          <a:prstGeom prst="rect">
+            <a:avLst/>
+          </a:prstGeom>
+        </p:spPr>
+      </p:pic>
+    </p:spTree>
+    <p:extLst>
+      <p:ext uri="{BB962C8B-B14F-4D97-AF65-F5344CB8AC3E}">
+        <p14:creationId xmlns:p14="http://schemas.microsoft.com/office/powerpoint/2010/main" val="2600490242"/>
+      </p:ext>
+    </p:extLst>
+  </p:cSld>
+  <p:clrMapOvr>
+    <a:masterClrMapping/>
+  </p:clrMapOvr>
+  <p:timing>
+    <p:tnLst>
+      <p:par>
+        <p:cTn xmlns:p14="http://schemas.microsoft.com/office/powerpoint/2010/main" id="1" dur="indefinite" restart="never" nodeType="tmRoot"/>
+      </p:par>
+    </p:tnLst>
+  </p:timing>
+</p:sld>
+</file>
+
+<file path=ppt/slides/slide12.xml><?xml version="1.0" encoding="utf-8"?>
+<p:sld xmlns:a="http://schemas.openxmlformats.org/drawingml/2006/main" xmlns:r="http://schemas.openxmlformats.org/officeDocument/2006/relationships" xmlns:p="http://schemas.openxmlformats.org/presentationml/2006/main">
+  <p:cSld>
+    <p:spTree>
+      <p:nvGrpSpPr>
+        <p:cNvPr id="1" name=""/>
+        <p:cNvGrpSpPr/>
+        <p:nvPr/>
+      </p:nvGrpSpPr>
+      <p:grpSpPr>
+        <a:xfrm>
+          <a:off x="0" y="0"/>
+          <a:ext cx="0" cy="0"/>
+          <a:chOff x="0" y="0"/>
+          <a:chExt cx="0" cy="0"/>
+        </a:xfrm>
+      </p:grpSpPr>
+      <p:sp>
+        <p:nvSpPr>
+          <p:cNvPr id="2" name="Title 1"/>
+          <p:cNvSpPr>
+            <a:spLocks noGrp="1"/>
+          </p:cNvSpPr>
+          <p:nvPr>
+            <p:ph type="title"/>
+          </p:nvPr>
+        </p:nvSpPr>
+        <p:spPr/>
+        <p:txBody>
+          <a:bodyPr>
+            <a:normAutofit fontScale="90000"/>
+          </a:bodyPr>
+          <a:lstStyle/>
+          <a:p>
+            <a:r>
+              <a:rPr lang="en-US" dirty="0" smtClean="0"/>
+              <a:t>Summary</a:t>
+            </a:r>
+            <a:br>
+              <a:rPr lang="en-US" dirty="0" smtClean="0"/>
+            </a:br>
+            <a:endParaRPr lang="en-US" dirty="0"/>
+          </a:p>
+        </p:txBody>
+      </p:sp>
+      <p:sp>
+        <p:nvSpPr>
+          <p:cNvPr id="3" name="Content Placeholder 2"/>
+          <p:cNvSpPr>
+            <a:spLocks noGrp="1"/>
+          </p:cNvSpPr>
+          <p:nvPr>
+            <p:ph idx="1"/>
+          </p:nvPr>
+        </p:nvSpPr>
+        <p:spPr>
+          <a:xfrm>
+            <a:off x="1043492" y="1778000"/>
+            <a:ext cx="7024742" cy="4368800"/>
+          </a:xfrm>
+        </p:spPr>
+        <p:txBody>
+          <a:bodyPr>
+            <a:normAutofit lnSpcReduction="10000"/>
+          </a:bodyPr>
+          <a:lstStyle/>
+          <a:p>
+            <a:r>
+              <a:rPr lang="en-US" dirty="0" smtClean="0"/>
+              <a:t>Local cache is faster than server load time.</a:t>
+            </a:r>
+          </a:p>
+          <a:p>
+            <a:endParaRPr lang="en-US" dirty="0" smtClean="0"/>
+          </a:p>
+          <a:p>
+            <a:r>
+              <a:rPr lang="en-US" dirty="0" smtClean="0"/>
+              <a:t>Loading local</a:t>
+            </a:r>
+            <a:r>
+              <a:rPr lang="en-US" b="1" dirty="0" smtClean="0"/>
+              <a:t> models individually</a:t>
+            </a:r>
+            <a:r>
+              <a:rPr lang="en-US" dirty="0" smtClean="0"/>
+              <a:t> increases time to load all models.  Can </a:t>
+            </a:r>
+            <a:r>
+              <a:rPr lang="en-US" i="1" dirty="0" smtClean="0"/>
+              <a:t>seem faster</a:t>
+            </a:r>
+            <a:r>
+              <a:rPr lang="en-US" dirty="0" smtClean="0"/>
+              <a:t> if a few models fill page.</a:t>
+            </a:r>
+          </a:p>
+          <a:p>
+            <a:endParaRPr lang="en-US" dirty="0" smtClean="0"/>
+          </a:p>
+          <a:p>
+            <a:r>
+              <a:rPr lang="en-US" dirty="0" smtClean="0"/>
+              <a:t>Local cache optimal when remote load time &gt; 100ms (perceivable lag).</a:t>
+            </a:r>
+            <a:endParaRPr lang="en-US" dirty="0"/>
+          </a:p>
+          <a:p>
+            <a:pPr marL="365760" lvl="1" indent="0">
+              <a:buNone/>
+            </a:pPr>
+            <a:r>
+              <a:rPr lang="en-US" smtClean="0"/>
+              <a:t>    For </a:t>
+            </a:r>
+            <a:r>
+              <a:rPr lang="en-US" dirty="0" smtClean="0"/>
+              <a:t>300+ items: </a:t>
+            </a:r>
+          </a:p>
+          <a:p>
+            <a:pPr marL="685800" lvl="2" indent="0">
+              <a:buNone/>
+            </a:pPr>
+            <a:r>
+              <a:rPr lang="en-US" dirty="0" smtClean="0"/>
+              <a:t>emails (1 paragraph)</a:t>
+            </a:r>
+          </a:p>
+          <a:p>
+            <a:pPr marL="685800" lvl="2" indent="0">
+              <a:buNone/>
+            </a:pPr>
+            <a:r>
+              <a:rPr lang="en-US" dirty="0" smtClean="0"/>
+              <a:t>documents (5 paragraphs)</a:t>
+            </a:r>
+            <a:endParaRPr lang="en-US" dirty="0"/>
+          </a:p>
+        </p:txBody>
+      </p:sp>
+    </p:spTree>
+    <p:extLst>
+      <p:ext uri="{BB962C8B-B14F-4D97-AF65-F5344CB8AC3E}">
+        <p14:creationId xmlns:p14="http://schemas.microsoft.com/office/powerpoint/2010/main" val="3815157834"/>
+      </p:ext>
+    </p:extLst>
+  </p:cSld>
+  <p:clrMapOvr>
+    <a:masterClrMapping/>
+  </p:clrMapOvr>
+  <p:timing>
+    <p:tnLst>
+      <p:par>
+        <p:cTn xmlns:p14="http://schemas.microsoft.com/office/powerpoint/2010/main" id="1" dur="indefinite" restart="never" nodeType="tmRoot"/>
+      </p:par>
+    </p:tnLst>
+  </p:timing>
 </p:sld>
 </file>
 
@@ -14426,19 +15087,7 @@
             <a:pPr lvl="1"/>
             <a:r>
               <a:rPr lang="en-US" dirty="0" smtClean="0"/>
-              <a:t>Many</a:t>
-            </a:r>
-            <a:r>
-              <a:rPr lang="en-US" dirty="0" smtClean="0"/>
-              <a:t> </a:t>
-            </a:r>
-            <a:r>
-              <a:rPr lang="en-US" dirty="0" smtClean="0"/>
-              <a:t>models </a:t>
-            </a:r>
-            <a:r>
-              <a:rPr lang="en-US" dirty="0" smtClean="0"/>
-              <a:t>vs. few models</a:t>
+              <a:t>Many models vs. few models</a:t>
             </a:r>
             <a:endParaRPr lang="en-US" dirty="0"/>
           </a:p>
@@ -14491,7 +15140,12 @@
             <p:ph type="title"/>
           </p:nvPr>
         </p:nvSpPr>
-        <p:spPr/>
+        <p:spPr>
+          <a:xfrm>
+            <a:off x="1043490" y="646664"/>
+            <a:ext cx="7024744" cy="1143000"/>
+          </a:xfrm>
+        </p:spPr>
         <p:txBody>
           <a:bodyPr/>
           <a:lstStyle/>
@@ -14519,9 +15173,19 @@
           <a:bodyPr/>
           <a:lstStyle/>
           <a:p>
+            <a:pPr marL="68580" indent="0">
+              <a:buNone/>
+            </a:pPr>
+            <a:endParaRPr lang="en-US" dirty="0" smtClean="0"/>
+          </a:p>
+          <a:p>
+            <a:r>
+              <a:rPr lang="en-US" dirty="0" smtClean="0"/>
+              <a:t>Backbone </a:t>
+            </a:r>
             <a:r>
               <a:rPr lang="en-US" dirty="0"/>
-              <a:t>Backbone – a </a:t>
+              <a:t>– a </a:t>
             </a:r>
             <a:r>
               <a:rPr lang="en-US" b="1" dirty="0"/>
@@ -14545,23 +15209,10 @@
             </a:r>
           </a:p>
           <a:p>
-            <a:endParaRPr lang="en-US" dirty="0"/>
-          </a:p>
-          <a:p>
-            <a:r>
-              <a:rPr lang="en-US" dirty="0" err="1" smtClean="0"/>
-              <a:t>Trello</a:t>
-            </a:r>
-            <a:r>
-              <a:rPr lang="en-US" dirty="0" smtClean="0"/>
-              <a:t>, </a:t>
-            </a:r>
-          </a:p>
-          <a:p>
             <a:pPr marL="68580" indent="0">
               <a:buNone/>
             </a:pPr>
-            <a:endParaRPr lang="en-US" dirty="0" smtClean="0"/>
+            <a:endParaRPr lang="en-US" dirty="0"/>
           </a:p>
         </p:txBody>
       </p:sp>
@@ -14695,7 +15346,6 @@
               <a:rPr lang="en-US" b="1" dirty="0" smtClean="0"/>
               <a:t>model in a collection</a:t>
             </a:r>
-            <a:endParaRPr lang="en-US" b="1" dirty="0" smtClean="0"/>
           </a:p>
           <a:p>
             <a:pPr marL="68580" indent="0">
@@ -14706,31 +15356,7 @@
           <a:p>
             <a:r>
               <a:rPr lang="en-US" dirty="0" smtClean="0"/>
-              <a:t>Create </a:t>
-            </a:r>
-            <a:r>
-              <a:rPr lang="en-US" dirty="0" smtClean="0"/>
-              <a:t>test </a:t>
-            </a:r>
-            <a:r>
-              <a:rPr lang="en-US" dirty="0" smtClean="0"/>
-              <a:t>applications to </a:t>
-            </a:r>
-            <a:r>
-              <a:rPr lang="en-US" dirty="0" smtClean="0"/>
-              <a:t>evaluate</a:t>
-            </a:r>
-            <a:r>
-              <a:rPr lang="en-US" dirty="0" smtClean="0"/>
-              <a:t> </a:t>
-            </a:r>
-            <a:r>
-              <a:rPr lang="en-US" dirty="0" smtClean="0"/>
-              <a:t>load time </a:t>
-            </a:r>
-            <a:r>
-              <a:rPr lang="en-US" dirty="0" smtClean="0"/>
-              <a:t>performance under different conditions</a:t>
+              <a:t>Create test applications to evaluate load time performance under different conditions</a:t>
             </a:r>
           </a:p>
           <a:p>
@@ -14760,7 +15386,6 @@
               <a:rPr lang="en-US" dirty="0" smtClean="0"/>
               <a:t>ize</a:t>
             </a:r>
-            <a:endParaRPr lang="en-US" dirty="0" smtClean="0"/>
           </a:p>
           <a:p>
             <a:pPr lvl="1"/>
@@ -14768,7 +15393,6 @@
               <a:rPr lang="en-US" dirty="0" smtClean="0"/>
               <a:t>Few vs. Many models</a:t>
             </a:r>
-            <a:endParaRPr lang="en-US" dirty="0" smtClean="0"/>
           </a:p>
         </p:txBody>
       </p:sp>
@@ -15355,25 +15979,8 @@
             </a:pPr>
             <a:r>
               <a:rPr lang="en-US" dirty="0" smtClean="0"/>
-              <a:t>Built 3 client-side applications to </a:t>
+              <a:t>Built 3 client-side applications to evaluate 2 caching strategies for models of various sizes and quantities:</a:t>
             </a:r>
-            <a:r>
-              <a:rPr lang="en-US" dirty="0" smtClean="0"/>
-              <a:t>evaluate</a:t>
-            </a:r>
-            <a:r>
-              <a:rPr lang="en-US" dirty="0" smtClean="0"/>
-              <a:t> 2 caching strategies </a:t>
-            </a:r>
-            <a:r>
-              <a:rPr lang="en-US" dirty="0" smtClean="0"/>
-              <a:t>for </a:t>
-            </a:r>
-            <a:r>
-              <a:rPr lang="en-US" dirty="0" smtClean="0"/>
-              <a:t>models of various sizes and quantities:</a:t>
-            </a:r>
-            <a:endParaRPr lang="en-US" dirty="0" smtClean="0"/>
           </a:p>
           <a:p>
             <a:pPr marL="68580" indent="0">
@@ -15414,13 +16021,8 @@
             </a:r>
             <a:r>
               <a:rPr lang="en-US" sz="1600" dirty="0" smtClean="0"/>
-              <a:t>-size </a:t>
+              <a:t>-size model</a:t>
             </a:r>
-            <a:r>
-              <a:rPr lang="en-US" sz="1600" dirty="0" smtClean="0"/>
-              <a:t>model</a:t>
-            </a:r>
-            <a:endParaRPr lang="en-US" sz="1600" dirty="0" smtClean="0"/>
           </a:p>
           <a:p>
             <a:pPr marL="365760" lvl="1" indent="0">
@@ -15431,11 +16033,7 @@
             </a:pPr>
             <a:r>
               <a:rPr lang="en-US" dirty="0" smtClean="0"/>
-              <a:t>Loading </a:t>
-            </a:r>
-            <a:r>
-              <a:rPr lang="en-US" dirty="0" smtClean="0"/>
-              <a:t>emails (e.g. Gmail) </a:t>
+              <a:t>Loading emails (e.g. Gmail) </a:t>
             </a:r>
           </a:p>
           <a:p>
@@ -15573,93 +16171,6 @@
       </p:sp>
       <p:pic>
         <p:nvPicPr>
-          <p:cNvPr id="6" name="Content Placeholder 5"/>
-          <p:cNvPicPr>
-            <a:picLocks noGrp="1" noChangeAspect="1"/>
-          </p:cNvPicPr>
-          <p:nvPr>
-            <p:ph idx="1"/>
-          </p:nvPr>
-        </p:nvPicPr>
-        <p:blipFill rotWithShape="1">
-          <a:blip r:embed="rId3" cstate="email">
-            <a:extLst>
-              <a:ext uri="{28A0092B-C50C-407E-A947-70E740481C1C}">
-                <a14:useLocalDpi xmlns:a14="http://schemas.microsoft.com/office/drawing/2010/main" val="0"/>
-              </a:ext>
-            </a:extLst>
-          </a:blip>
-          <a:srcRect t="6181" b="11753"/>
-          <a:stretch/>
-        </p:blipFill>
-        <p:spPr>
-          <a:xfrm>
-            <a:off x="1043490" y="1617662"/>
-            <a:ext cx="3095086" cy="2286000"/>
-          </a:xfrm>
-        </p:spPr>
-      </p:pic>
-      <p:pic>
-        <p:nvPicPr>
-          <p:cNvPr id="7" name="Picture 6"/>
-          <p:cNvPicPr>
-            <a:picLocks noChangeAspect="1"/>
-          </p:cNvPicPr>
-          <p:nvPr/>
-        </p:nvPicPr>
-        <p:blipFill>
-          <a:blip r:embed="rId4" cstate="email">
-            <a:extLst>
-              <a:ext uri="{28A0092B-C50C-407E-A947-70E740481C1C}">
-                <a14:useLocalDpi xmlns:a14="http://schemas.microsoft.com/office/drawing/2010/main" val="0"/>
-              </a:ext>
-            </a:extLst>
-          </a:blip>
-          <a:stretch>
-            <a:fillRect/>
-          </a:stretch>
-        </p:blipFill>
-        <p:spPr>
-          <a:xfrm>
-            <a:off x="4625622" y="1434064"/>
-            <a:ext cx="3115028" cy="2803525"/>
-          </a:xfrm>
-          <a:prstGeom prst="rect">
-            <a:avLst/>
-          </a:prstGeom>
-        </p:spPr>
-      </p:pic>
-      <p:pic>
-        <p:nvPicPr>
-          <p:cNvPr id="8" name="Picture 7"/>
-          <p:cNvPicPr>
-            <a:picLocks noChangeAspect="1"/>
-          </p:cNvPicPr>
-          <p:nvPr/>
-        </p:nvPicPr>
-        <p:blipFill rotWithShape="1">
-          <a:blip r:embed="rId5" cstate="email">
-            <a:extLst>
-              <a:ext uri="{28A0092B-C50C-407E-A947-70E740481C1C}">
-                <a14:useLocalDpi xmlns:a14="http://schemas.microsoft.com/office/drawing/2010/main" val="0"/>
-              </a:ext>
-            </a:extLst>
-          </a:blip>
-          <a:srcRect t="4813" b="9646"/>
-          <a:stretch/>
-        </p:blipFill>
-        <p:spPr>
-          <a:xfrm>
-            <a:off x="1043490" y="3903662"/>
-            <a:ext cx="3095087" cy="2382837"/>
-          </a:xfrm>
-          <a:prstGeom prst="rect">
-            <a:avLst/>
-          </a:prstGeom>
-        </p:spPr>
-      </p:pic>
-      <p:pic>
-        <p:nvPicPr>
           <p:cNvPr id="9" name="Picture 8"/>
           <p:cNvPicPr>
             <a:picLocks noChangeAspect="1"/>
@@ -15667,7 +16178,7 @@
           <p:nvPr/>
         </p:nvPicPr>
         <p:blipFill rotWithShape="1">
-          <a:blip r:embed="rId6" cstate="email">
+          <a:blip r:embed="rId3" cstate="email">
             <a:extLst>
               <a:ext uri="{28A0092B-C50C-407E-A947-70E740481C1C}">
                 <a14:useLocalDpi xmlns:a14="http://schemas.microsoft.com/office/drawing/2010/main" val="0"/>
@@ -15679,8 +16190,8 @@
         </p:blipFill>
         <p:spPr>
           <a:xfrm>
-            <a:off x="4710288" y="3903661"/>
-            <a:ext cx="3183216" cy="2382838"/>
+            <a:off x="1191999" y="1270000"/>
+            <a:ext cx="6701505" cy="5016499"/>
           </a:xfrm>
           <a:prstGeom prst="rect">
             <a:avLst/>
@@ -15690,7 +16201,7 @@
     </p:spTree>
     <p:extLst>
       <p:ext uri="{BB962C8B-B14F-4D97-AF65-F5344CB8AC3E}">
-        <p14:creationId xmlns:p14="http://schemas.microsoft.com/office/powerpoint/2010/main" val="3193948367"/>
+        <p14:creationId xmlns:p14="http://schemas.microsoft.com/office/powerpoint/2010/main" val="2600490242"/>
       </p:ext>
     </p:extLst>
   </p:cSld>
@@ -15734,7 +16245,12 @@
             <p:ph type="title"/>
           </p:nvPr>
         </p:nvSpPr>
-        <p:spPr/>
+        <p:spPr>
+          <a:xfrm>
+            <a:off x="1043490" y="608855"/>
+            <a:ext cx="7024744" cy="1143000"/>
+          </a:xfrm>
+        </p:spPr>
         <p:txBody>
           <a:bodyPr>
             <a:normAutofit fontScale="90000"/>
@@ -15742,8 +16258,12 @@
           <a:lstStyle/>
           <a:p>
             <a:r>
+              <a:rPr lang="en-US" sz="4400" dirty="0" smtClean="0"/>
+              <a:t>Results</a:t>
+            </a:r>
+            <a:r>
               <a:rPr lang="en-US" dirty="0" smtClean="0"/>
-              <a:t>Summary</a:t>
+              <a:t/>
             </a:r>
             <a:br>
               <a:rPr lang="en-US" dirty="0" smtClean="0"/>
@@ -15752,104 +16272,38 @@
           </a:p>
         </p:txBody>
       </p:sp>
-      <p:sp>
-        <p:nvSpPr>
-          <p:cNvPr id="3" name="Content Placeholder 2"/>
-          <p:cNvSpPr>
-            <a:spLocks noGrp="1"/>
-          </p:cNvSpPr>
+      <p:pic>
+        <p:nvPicPr>
+          <p:cNvPr id="6" name="Content Placeholder 5"/>
+          <p:cNvPicPr>
+            <a:picLocks noGrp="1" noChangeAspect="1"/>
+          </p:cNvPicPr>
           <p:nvPr>
             <p:ph idx="1"/>
           </p:nvPr>
-        </p:nvSpPr>
+        </p:nvPicPr>
+        <p:blipFill rotWithShape="1">
+          <a:blip r:embed="rId3" cstate="email">
+            <a:extLst>
+              <a:ext uri="{28A0092B-C50C-407E-A947-70E740481C1C}">
+                <a14:useLocalDpi xmlns:a14="http://schemas.microsoft.com/office/drawing/2010/main" val="0"/>
+              </a:ext>
+            </a:extLst>
+          </a:blip>
+          <a:srcRect t="6181" b="11753"/>
+          <a:stretch/>
+        </p:blipFill>
         <p:spPr>
           <a:xfrm>
-            <a:off x="1043492" y="1778000"/>
-            <a:ext cx="7024742" cy="4368800"/>
+            <a:off x="903790" y="1465262"/>
+            <a:ext cx="6551110" cy="4838586"/>
           </a:xfrm>
         </p:spPr>
-        <p:txBody>
-          <a:bodyPr>
-            <a:normAutofit lnSpcReduction="10000"/>
-          </a:bodyPr>
-          <a:lstStyle/>
-          <a:p>
-            <a:r>
-              <a:rPr lang="en-US" dirty="0" smtClean="0"/>
-              <a:t>Local cache is faster than server load time.</a:t>
-            </a:r>
-          </a:p>
-          <a:p>
-            <a:endParaRPr lang="en-US" dirty="0" smtClean="0"/>
-          </a:p>
-          <a:p>
-            <a:r>
-              <a:rPr lang="en-US" dirty="0" smtClean="0"/>
-              <a:t>Loading local</a:t>
-            </a:r>
-            <a:r>
-              <a:rPr lang="en-US" b="1" dirty="0" smtClean="0"/>
-              <a:t> models individually</a:t>
-            </a:r>
-            <a:r>
-              <a:rPr lang="en-US" dirty="0" smtClean="0"/>
-              <a:t> increases time to load all models.  Can </a:t>
-            </a:r>
-            <a:r>
-              <a:rPr lang="en-US" i="1" dirty="0" smtClean="0"/>
-              <a:t>seem faster</a:t>
-            </a:r>
-            <a:r>
-              <a:rPr lang="en-US" dirty="0" smtClean="0"/>
-              <a:t> if a few models fill page.</a:t>
-            </a:r>
-          </a:p>
-          <a:p>
-            <a:endParaRPr lang="en-US" dirty="0" smtClean="0"/>
-          </a:p>
-          <a:p>
-            <a:r>
-              <a:rPr lang="en-US" dirty="0" smtClean="0"/>
-              <a:t>Local cache optimal when remote load time &gt; 100ms (perceivable lag).</a:t>
-            </a:r>
-            <a:endParaRPr lang="en-US" dirty="0"/>
-          </a:p>
-          <a:p>
-            <a:pPr lvl="1"/>
-            <a:r>
-              <a:rPr lang="en-US" dirty="0" smtClean="0"/>
-              <a:t>For</a:t>
-            </a:r>
-            <a:r>
-              <a:rPr lang="en-US" dirty="0" smtClean="0"/>
-              <a:t> 300+ items: </a:t>
-            </a:r>
-          </a:p>
-          <a:p>
-            <a:pPr marL="685800" lvl="2" indent="0">
-              <a:buNone/>
-            </a:pPr>
-            <a:r>
-              <a:rPr lang="en-US" dirty="0" smtClean="0"/>
-              <a:t>emails (1 paragraph)</a:t>
-            </a:r>
-          </a:p>
-          <a:p>
-            <a:pPr marL="685800" lvl="2" indent="0">
-              <a:buNone/>
-            </a:pPr>
-            <a:r>
-              <a:rPr lang="en-US" dirty="0" smtClean="0"/>
-              <a:t>documents (5 paragraphs)</a:t>
-            </a:r>
-            <a:endParaRPr lang="en-US" dirty="0"/>
-          </a:p>
-        </p:txBody>
-      </p:sp>
+      </p:pic>
     </p:spTree>
     <p:extLst>
       <p:ext uri="{BB962C8B-B14F-4D97-AF65-F5344CB8AC3E}">
-        <p14:creationId xmlns:p14="http://schemas.microsoft.com/office/powerpoint/2010/main" val="3815157834"/>
+        <p14:creationId xmlns:p14="http://schemas.microsoft.com/office/powerpoint/2010/main" val="2600490242"/>
       </p:ext>
     </p:extLst>
   </p:cSld>
